--- a/Modulo 3/TAREA 4/Exposicion Sistema Experto.pptx
+++ b/Modulo 3/TAREA 4/Exposicion Sistema Experto.pptx
@@ -5,28 +5,32 @@
     <p:sldMasterId id="2147483648" r:id="rId1"/>
   </p:sldMasterIdLst>
   <p:notesMasterIdLst>
-    <p:notesMasterId r:id="rId10"/>
+    <p:notesMasterId r:id="rId11"/>
   </p:notesMasterIdLst>
   <p:sldIdLst>
     <p:sldId id="256" r:id="rId2"/>
     <p:sldId id="257" r:id="rId3"/>
     <p:sldId id="258" r:id="rId4"/>
     <p:sldId id="259" r:id="rId5"/>
-    <p:sldId id="260" r:id="rId6"/>
-    <p:sldId id="261" r:id="rId7"/>
-    <p:sldId id="262" r:id="rId8"/>
-    <p:sldId id="263" r:id="rId9"/>
+    <p:sldId id="264" r:id="rId6"/>
+    <p:sldId id="260" r:id="rId7"/>
+    <p:sldId id="261" r:id="rId8"/>
+    <p:sldId id="262" r:id="rId9"/>
+    <p:sldId id="263" r:id="rId10"/>
   </p:sldIdLst>
   <p:sldSz cx="14630400" cy="8229600"/>
   <p:notesSz cx="8229600" cy="14630400"/>
   <p:embeddedFontLst>
     <p:embeddedFont>
       <p:font typeface="Roboto" panose="02000000000000000000" pitchFamily="2" charset="0"/>
-      <p:regular r:id="rId11"/>
+      <p:regular r:id="rId12"/>
+      <p:bold r:id="rId13"/>
+      <p:italic r:id="rId14"/>
+      <p:boldItalic r:id="rId15"/>
     </p:embeddedFont>
     <p:embeddedFont>
       <p:font typeface="Roboto Mono Medium" panose="020F0502020204030204" pitchFamily="34" charset="0"/>
-      <p:regular r:id="rId12"/>
+      <p:regular r:id="rId16"/>
     </p:embeddedFont>
   </p:embeddedFontLst>
   <p:defaultTextStyle>
@@ -658,7 +662,7 @@
           <a:p>
             <a:fld id="{F7021451-1387-4CA6-816F-3879F97B5CBC}" type="slidenum">
               <a:rPr lang="en-US"/>
-              <a:t>5</a:t>
+              <a:t>6</a:t>
             </a:fld>
             <a:endParaRPr lang="en-US"/>
           </a:p>
@@ -742,7 +746,7 @@
           <a:p>
             <a:fld id="{F7021451-1387-4CA6-816F-3879F97B5CBC}" type="slidenum">
               <a:rPr lang="en-US"/>
-              <a:t>6</a:t>
+              <a:t>7</a:t>
             </a:fld>
             <a:endParaRPr lang="en-US"/>
           </a:p>
@@ -826,7 +830,7 @@
           <a:p>
             <a:fld id="{F7021451-1387-4CA6-816F-3879F97B5CBC}" type="slidenum">
               <a:rPr lang="en-US"/>
-              <a:t>7</a:t>
+              <a:t>8</a:t>
             </a:fld>
             <a:endParaRPr lang="en-US"/>
           </a:p>
@@ -910,7 +914,7 @@
           <a:p>
             <a:fld id="{F7021451-1387-4CA6-816F-3879F97B5CBC}" type="slidenum">
               <a:rPr lang="en-US"/>
-              <a:t>8</a:t>
+              <a:t>9</a:t>
             </a:fld>
             <a:endParaRPr lang="en-US"/>
           </a:p>
@@ -3427,7 +3431,7 @@
 
 <file path=ppt/slides/slide5.xml><?xml version="1.0" encoding="utf-8"?>
 <p:sld xmlns:a="http://schemas.openxmlformats.org/drawingml/2006/main" xmlns:r="http://schemas.openxmlformats.org/officeDocument/2006/relationships" xmlns:p="http://schemas.openxmlformats.org/presentationml/2006/main">
-  <p:cSld name="Slide 5">
+  <p:cSld>
     <p:spTree>
       <p:nvGrpSpPr>
         <p:cNvPr id="1" name=""/>
@@ -3444,822 +3448,10 @@
       </p:grpSpPr>
       <p:sp>
         <p:nvSpPr>
-          <p:cNvPr id="2" name="Text 0"/>
-          <p:cNvSpPr/>
-          <p:nvPr/>
-        </p:nvSpPr>
-        <p:spPr>
-          <a:xfrm>
-            <a:off x="793790" y="938332"/>
-            <a:ext cx="13042821" cy="1417558"/>
-          </a:xfrm>
-          <a:prstGeom prst="rect">
-            <a:avLst/>
-          </a:prstGeom>
-          <a:noFill/>
-          <a:ln/>
-        </p:spPr>
-        <p:txBody>
-          <a:bodyPr wrap="square" lIns="0" tIns="0" rIns="0" bIns="0" rtlCol="0" anchor="t"/>
-          <a:lstStyle/>
-          <a:p>
-            <a:pPr marL="0" indent="0" algn="l">
-              <a:lnSpc>
-                <a:spcPts val="5550"/>
-              </a:lnSpc>
-              <a:buNone/>
-            </a:pPr>
-            <a:r>
-              <a:rPr lang="en-US" sz="4450" dirty="0">
-                <a:solidFill>
-                  <a:srgbClr val="FFFFFF"/>
-                </a:solidFill>
-                <a:latin typeface="Roboto Mono Medium" pitchFamily="34" charset="0"/>
-                <a:ea typeface="Roboto Mono Medium" pitchFamily="34" charset="-122"/>
-                <a:cs typeface="Roboto Mono Medium" pitchFamily="34" charset="-120"/>
-              </a:rPr>
-              <a:t>Reglas Matemáticas: Resfriado Común y Gripe</a:t>
-            </a:r>
-            <a:endParaRPr lang="en-US" sz="4450" dirty="0"/>
-          </a:p>
-        </p:txBody>
-      </p:sp>
-      <p:sp>
-        <p:nvSpPr>
-          <p:cNvPr id="3" name="Text 1"/>
-          <p:cNvSpPr/>
-          <p:nvPr/>
-        </p:nvSpPr>
-        <p:spPr>
-          <a:xfrm>
-            <a:off x="793790" y="2922865"/>
-            <a:ext cx="2835235" cy="354330"/>
-          </a:xfrm>
-          <a:prstGeom prst="rect">
-            <a:avLst/>
-          </a:prstGeom>
-          <a:noFill/>
-          <a:ln/>
-        </p:spPr>
-        <p:txBody>
-          <a:bodyPr wrap="none" lIns="0" tIns="0" rIns="0" bIns="0" rtlCol="0" anchor="t"/>
-          <a:lstStyle/>
-          <a:p>
-            <a:pPr marL="0" indent="0" algn="l">
-              <a:lnSpc>
-                <a:spcPts val="2750"/>
-              </a:lnSpc>
-              <a:buNone/>
-            </a:pPr>
-            <a:r>
-              <a:rPr lang="en-US" sz="2200" dirty="0">
-                <a:solidFill>
-                  <a:srgbClr val="FFFFFF"/>
-                </a:solidFill>
-                <a:latin typeface="Roboto Mono Medium" pitchFamily="34" charset="0"/>
-                <a:ea typeface="Roboto Mono Medium" pitchFamily="34" charset="-122"/>
-                <a:cs typeface="Roboto Mono Medium" pitchFamily="34" charset="-120"/>
-              </a:rPr>
-              <a:t>Resfriado Común</a:t>
-            </a:r>
-            <a:endParaRPr lang="en-US" sz="2200" dirty="0"/>
-          </a:p>
-        </p:txBody>
-      </p:sp>
-      <p:sp>
-        <p:nvSpPr>
-          <p:cNvPr id="4" name="Text 2"/>
-          <p:cNvSpPr/>
-          <p:nvPr/>
-        </p:nvSpPr>
-        <p:spPr>
-          <a:xfrm>
-            <a:off x="793790" y="3504009"/>
-            <a:ext cx="6244709" cy="362903"/>
-          </a:xfrm>
-          <a:prstGeom prst="rect">
-            <a:avLst/>
-          </a:prstGeom>
-          <a:noFill/>
-          <a:ln/>
-        </p:spPr>
-        <p:txBody>
-          <a:bodyPr wrap="none" lIns="0" tIns="0" rIns="0" bIns="0" rtlCol="0" anchor="t"/>
-          <a:lstStyle/>
-          <a:p>
-            <a:pPr marL="342900" indent="-342900" algn="l">
-              <a:lnSpc>
-                <a:spcPts val="2850"/>
-              </a:lnSpc>
-              <a:buSzPct val="100000"/>
-              <a:buChar char="•"/>
-            </a:pPr>
-            <a:r>
-              <a:rPr lang="en-US" sz="1750" dirty="0">
-                <a:solidFill>
-                  <a:srgbClr val="E5E0DF"/>
-                </a:solidFill>
-                <a:latin typeface="Roboto" pitchFamily="34" charset="0"/>
-                <a:ea typeface="Roboto" pitchFamily="34" charset="-122"/>
-                <a:cs typeface="Roboto" pitchFamily="34" charset="-120"/>
-              </a:rPr>
-              <a:t>Congestión nasal</a:t>
-            </a:r>
-            <a:endParaRPr lang="en-US" sz="1750" dirty="0"/>
-          </a:p>
-        </p:txBody>
-      </p:sp>
-      <p:sp>
-        <p:nvSpPr>
-          <p:cNvPr id="5" name="Text 3"/>
-          <p:cNvSpPr/>
-          <p:nvPr/>
-        </p:nvSpPr>
-        <p:spPr>
-          <a:xfrm>
-            <a:off x="793790" y="3946207"/>
-            <a:ext cx="6244709" cy="362903"/>
-          </a:xfrm>
-          <a:prstGeom prst="rect">
-            <a:avLst/>
-          </a:prstGeom>
-          <a:noFill/>
-          <a:ln/>
-        </p:spPr>
-        <p:txBody>
-          <a:bodyPr wrap="none" lIns="0" tIns="0" rIns="0" bIns="0" rtlCol="0" anchor="t"/>
-          <a:lstStyle/>
-          <a:p>
-            <a:pPr marL="342900" indent="-342900" algn="l">
-              <a:lnSpc>
-                <a:spcPts val="2850"/>
-              </a:lnSpc>
-              <a:buSzPct val="100000"/>
-              <a:buChar char="•"/>
-            </a:pPr>
-            <a:r>
-              <a:rPr lang="en-US" sz="1750" dirty="0">
-                <a:solidFill>
-                  <a:srgbClr val="E5E0DF"/>
-                </a:solidFill>
-                <a:latin typeface="Roboto" pitchFamily="34" charset="0"/>
-                <a:ea typeface="Roboto" pitchFamily="34" charset="-122"/>
-                <a:cs typeface="Roboto" pitchFamily="34" charset="-120"/>
-              </a:rPr>
-              <a:t>Estornudos</a:t>
-            </a:r>
-            <a:endParaRPr lang="en-US" sz="1750" dirty="0"/>
-          </a:p>
-        </p:txBody>
-      </p:sp>
-      <p:sp>
-        <p:nvSpPr>
-          <p:cNvPr id="6" name="Text 4"/>
-          <p:cNvSpPr/>
-          <p:nvPr/>
-        </p:nvSpPr>
-        <p:spPr>
-          <a:xfrm>
-            <a:off x="793790" y="4388406"/>
-            <a:ext cx="6244709" cy="362903"/>
-          </a:xfrm>
-          <a:prstGeom prst="rect">
-            <a:avLst/>
-          </a:prstGeom>
-          <a:noFill/>
-          <a:ln/>
-        </p:spPr>
-        <p:txBody>
-          <a:bodyPr wrap="none" lIns="0" tIns="0" rIns="0" bIns="0" rtlCol="0" anchor="t"/>
-          <a:lstStyle/>
-          <a:p>
-            <a:pPr marL="342900" indent="-342900" algn="l">
-              <a:lnSpc>
-                <a:spcPts val="2850"/>
-              </a:lnSpc>
-              <a:buSzPct val="100000"/>
-              <a:buChar char="•"/>
-            </a:pPr>
-            <a:r>
-              <a:rPr lang="en-US" sz="1750" dirty="0">
-                <a:solidFill>
-                  <a:srgbClr val="E5E0DF"/>
-                </a:solidFill>
-                <a:latin typeface="Roboto" pitchFamily="34" charset="0"/>
-                <a:ea typeface="Roboto" pitchFamily="34" charset="-122"/>
-                <a:cs typeface="Roboto" pitchFamily="34" charset="-120"/>
-              </a:rPr>
-              <a:t>Dolor de garganta leve</a:t>
-            </a:r>
-            <a:endParaRPr lang="en-US" sz="1750" dirty="0"/>
-          </a:p>
-        </p:txBody>
-      </p:sp>
-      <p:sp>
-        <p:nvSpPr>
-          <p:cNvPr id="7" name="Text 5"/>
-          <p:cNvSpPr/>
-          <p:nvPr/>
-        </p:nvSpPr>
-        <p:spPr>
-          <a:xfrm>
-            <a:off x="793790" y="4830604"/>
-            <a:ext cx="6244709" cy="362903"/>
-          </a:xfrm>
-          <a:prstGeom prst="rect">
-            <a:avLst/>
-          </a:prstGeom>
-          <a:noFill/>
-          <a:ln/>
-        </p:spPr>
-        <p:txBody>
-          <a:bodyPr wrap="none" lIns="0" tIns="0" rIns="0" bIns="0" rtlCol="0" anchor="t"/>
-          <a:lstStyle/>
-          <a:p>
-            <a:pPr marL="342900" indent="-342900" algn="l">
-              <a:lnSpc>
-                <a:spcPts val="2850"/>
-              </a:lnSpc>
-              <a:buSzPct val="100000"/>
-              <a:buChar char="•"/>
-            </a:pPr>
-            <a:r>
-              <a:rPr lang="en-US" sz="1750" dirty="0">
-                <a:solidFill>
-                  <a:srgbClr val="E5E0DF"/>
-                </a:solidFill>
-                <a:latin typeface="Roboto" pitchFamily="34" charset="0"/>
-                <a:ea typeface="Roboto" pitchFamily="34" charset="-122"/>
-                <a:cs typeface="Roboto" pitchFamily="34" charset="-120"/>
-              </a:rPr>
-              <a:t>Tos</a:t>
-            </a:r>
-            <a:endParaRPr lang="en-US" sz="1750" dirty="0"/>
-          </a:p>
-        </p:txBody>
-      </p:sp>
-      <p:sp>
-        <p:nvSpPr>
-          <p:cNvPr id="8" name="Text 6"/>
-          <p:cNvSpPr/>
-          <p:nvPr/>
-        </p:nvSpPr>
-        <p:spPr>
-          <a:xfrm>
-            <a:off x="793790" y="5272802"/>
-            <a:ext cx="6244709" cy="362903"/>
-          </a:xfrm>
-          <a:prstGeom prst="rect">
-            <a:avLst/>
-          </a:prstGeom>
-          <a:noFill/>
-          <a:ln/>
-        </p:spPr>
-        <p:txBody>
-          <a:bodyPr wrap="none" lIns="0" tIns="0" rIns="0" bIns="0" rtlCol="0" anchor="t"/>
-          <a:lstStyle/>
-          <a:p>
-            <a:pPr marL="342900" indent="-342900" algn="l">
-              <a:lnSpc>
-                <a:spcPts val="2850"/>
-              </a:lnSpc>
-              <a:buSzPct val="100000"/>
-              <a:buChar char="•"/>
-            </a:pPr>
-            <a:r>
-              <a:rPr lang="en-US" sz="1750" dirty="0">
-                <a:solidFill>
-                  <a:srgbClr val="E5E0DF"/>
-                </a:solidFill>
-                <a:latin typeface="Roboto" pitchFamily="34" charset="0"/>
-                <a:ea typeface="Roboto" pitchFamily="34" charset="-122"/>
-                <a:cs typeface="Roboto" pitchFamily="34" charset="-120"/>
-              </a:rPr>
-              <a:t>Fiebre baja o ausente</a:t>
-            </a:r>
-            <a:endParaRPr lang="en-US" sz="1750" dirty="0"/>
-          </a:p>
-        </p:txBody>
-      </p:sp>
-      <p:sp>
-        <p:nvSpPr>
-          <p:cNvPr id="9" name="Text 7"/>
-          <p:cNvSpPr/>
-          <p:nvPr/>
-        </p:nvSpPr>
-        <p:spPr>
-          <a:xfrm>
-            <a:off x="793790" y="5715000"/>
-            <a:ext cx="6244709" cy="362903"/>
-          </a:xfrm>
-          <a:prstGeom prst="rect">
-            <a:avLst/>
-          </a:prstGeom>
-          <a:noFill/>
-          <a:ln/>
-        </p:spPr>
-        <p:txBody>
-          <a:bodyPr wrap="none" lIns="0" tIns="0" rIns="0" bIns="0" rtlCol="0" anchor="t"/>
-          <a:lstStyle/>
-          <a:p>
-            <a:pPr marL="342900" indent="-342900" algn="l">
-              <a:lnSpc>
-                <a:spcPts val="2850"/>
-              </a:lnSpc>
-              <a:buSzPct val="100000"/>
-              <a:buChar char="•"/>
-            </a:pPr>
-            <a:r>
-              <a:rPr lang="en-US" sz="1750" dirty="0">
-                <a:solidFill>
-                  <a:srgbClr val="E5E0DF"/>
-                </a:solidFill>
-                <a:latin typeface="Roboto" pitchFamily="34" charset="0"/>
-                <a:ea typeface="Roboto" pitchFamily="34" charset="-122"/>
-                <a:cs typeface="Roboto" pitchFamily="34" charset="-120"/>
-              </a:rPr>
-              <a:t>Dolor leve de cabeza</a:t>
-            </a:r>
-            <a:endParaRPr lang="en-US" sz="1750" dirty="0"/>
-          </a:p>
-        </p:txBody>
-      </p:sp>
-      <p:sp>
-        <p:nvSpPr>
-          <p:cNvPr id="10" name="Text 8"/>
-          <p:cNvSpPr/>
-          <p:nvPr/>
-        </p:nvSpPr>
-        <p:spPr>
-          <a:xfrm>
-            <a:off x="793790" y="6157198"/>
-            <a:ext cx="6244709" cy="362903"/>
-          </a:xfrm>
-          <a:prstGeom prst="rect">
-            <a:avLst/>
-          </a:prstGeom>
-          <a:noFill/>
-          <a:ln/>
-        </p:spPr>
-        <p:txBody>
-          <a:bodyPr wrap="none" lIns="0" tIns="0" rIns="0" bIns="0" rtlCol="0" anchor="t"/>
-          <a:lstStyle/>
-          <a:p>
-            <a:pPr marL="342900" indent="-342900" algn="l">
-              <a:lnSpc>
-                <a:spcPts val="2850"/>
-              </a:lnSpc>
-              <a:buSzPct val="100000"/>
-              <a:buChar char="•"/>
-            </a:pPr>
-            <a:r>
-              <a:rPr lang="en-US" sz="1750" dirty="0">
-                <a:solidFill>
-                  <a:srgbClr val="E5E0DF"/>
-                </a:solidFill>
-                <a:latin typeface="Roboto" pitchFamily="34" charset="0"/>
-                <a:ea typeface="Roboto" pitchFamily="34" charset="-122"/>
-                <a:cs typeface="Roboto" pitchFamily="34" charset="-120"/>
-              </a:rPr>
-              <a:t>Ojos llorosos</a:t>
-            </a:r>
-            <a:endParaRPr lang="en-US" sz="1750" dirty="0"/>
-          </a:p>
-        </p:txBody>
-      </p:sp>
-      <p:sp>
-        <p:nvSpPr>
-          <p:cNvPr id="11" name="Text 9"/>
-          <p:cNvSpPr/>
-          <p:nvPr/>
-        </p:nvSpPr>
-        <p:spPr>
-          <a:xfrm>
-            <a:off x="793790" y="6724174"/>
-            <a:ext cx="6244709" cy="362903"/>
-          </a:xfrm>
-          <a:prstGeom prst="rect">
-            <a:avLst/>
-          </a:prstGeom>
-          <a:noFill/>
-          <a:ln/>
-        </p:spPr>
-        <p:txBody>
-          <a:bodyPr wrap="none" lIns="0" tIns="0" rIns="0" bIns="0" rtlCol="0" anchor="t"/>
-          <a:lstStyle/>
-          <a:p>
-            <a:pPr marL="0" indent="0" algn="l">
-              <a:lnSpc>
-                <a:spcPts val="2850"/>
-              </a:lnSpc>
-              <a:buNone/>
-            </a:pPr>
-            <a:r>
-              <a:rPr lang="en-US" sz="1750" dirty="0">
-                <a:solidFill>
-                  <a:srgbClr val="E5E0DF"/>
-                </a:solidFill>
-                <a:latin typeface="Roboto" pitchFamily="34" charset="0"/>
-                <a:ea typeface="Roboto" pitchFamily="34" charset="-122"/>
-                <a:cs typeface="Roboto" pitchFamily="34" charset="-120"/>
-              </a:rPr>
-              <a:t>Regla: A ∧ B ∧ C ∧ D ∧ E ∧ F ∧ G → Resfriado común</a:t>
-            </a:r>
-            <a:endParaRPr lang="en-US" sz="1750" dirty="0"/>
-          </a:p>
-        </p:txBody>
-      </p:sp>
-      <p:sp>
-        <p:nvSpPr>
-          <p:cNvPr id="12" name="Text 10"/>
-          <p:cNvSpPr/>
-          <p:nvPr/>
-        </p:nvSpPr>
-        <p:spPr>
-          <a:xfrm>
-            <a:off x="7599521" y="2922865"/>
-            <a:ext cx="2890837" cy="354330"/>
-          </a:xfrm>
-          <a:prstGeom prst="rect">
-            <a:avLst/>
-          </a:prstGeom>
-          <a:noFill/>
-          <a:ln/>
-        </p:spPr>
-        <p:txBody>
-          <a:bodyPr wrap="none" lIns="0" tIns="0" rIns="0" bIns="0" rtlCol="0" anchor="t"/>
-          <a:lstStyle/>
-          <a:p>
-            <a:pPr marL="0" indent="0" algn="l">
-              <a:lnSpc>
-                <a:spcPts val="2750"/>
-              </a:lnSpc>
-              <a:buNone/>
-            </a:pPr>
-            <a:r>
-              <a:rPr lang="en-US" sz="2200" dirty="0">
-                <a:solidFill>
-                  <a:srgbClr val="FFFFFF"/>
-                </a:solidFill>
-                <a:latin typeface="Roboto Mono Medium" pitchFamily="34" charset="0"/>
-                <a:ea typeface="Roboto Mono Medium" pitchFamily="34" charset="-122"/>
-                <a:cs typeface="Roboto Mono Medium" pitchFamily="34" charset="-120"/>
-              </a:rPr>
-              <a:t>Gripe (Influenza)</a:t>
-            </a:r>
-            <a:endParaRPr lang="en-US" sz="2200" dirty="0"/>
-          </a:p>
-        </p:txBody>
-      </p:sp>
-      <p:sp>
-        <p:nvSpPr>
-          <p:cNvPr id="13" name="Text 11"/>
-          <p:cNvSpPr/>
-          <p:nvPr/>
-        </p:nvSpPr>
-        <p:spPr>
-          <a:xfrm>
-            <a:off x="7599521" y="3504009"/>
-            <a:ext cx="6244709" cy="362903"/>
-          </a:xfrm>
-          <a:prstGeom prst="rect">
-            <a:avLst/>
-          </a:prstGeom>
-          <a:noFill/>
-          <a:ln/>
-        </p:spPr>
-        <p:txBody>
-          <a:bodyPr wrap="none" lIns="0" tIns="0" rIns="0" bIns="0" rtlCol="0" anchor="t"/>
-          <a:lstStyle/>
-          <a:p>
-            <a:pPr marL="342900" indent="-342900" algn="l">
-              <a:lnSpc>
-                <a:spcPts val="2850"/>
-              </a:lnSpc>
-              <a:buSzPct val="100000"/>
-              <a:buChar char="•"/>
-            </a:pPr>
-            <a:r>
-              <a:rPr lang="en-US" sz="1750" dirty="0">
-                <a:solidFill>
-                  <a:srgbClr val="E5E0DF"/>
-                </a:solidFill>
-                <a:latin typeface="Roboto" pitchFamily="34" charset="0"/>
-                <a:ea typeface="Roboto" pitchFamily="34" charset="-122"/>
-                <a:cs typeface="Roboto" pitchFamily="34" charset="-120"/>
-              </a:rPr>
-              <a:t>Fiebre alta (&gt;38.5°C)</a:t>
-            </a:r>
-            <a:endParaRPr lang="en-US" sz="1750" dirty="0"/>
-          </a:p>
-        </p:txBody>
-      </p:sp>
-      <p:sp>
-        <p:nvSpPr>
-          <p:cNvPr id="14" name="Text 12"/>
-          <p:cNvSpPr/>
-          <p:nvPr/>
-        </p:nvSpPr>
-        <p:spPr>
-          <a:xfrm>
-            <a:off x="7599521" y="3946207"/>
-            <a:ext cx="6244709" cy="362903"/>
-          </a:xfrm>
-          <a:prstGeom prst="rect">
-            <a:avLst/>
-          </a:prstGeom>
-          <a:noFill/>
-          <a:ln/>
-        </p:spPr>
-        <p:txBody>
-          <a:bodyPr wrap="none" lIns="0" tIns="0" rIns="0" bIns="0" rtlCol="0" anchor="t"/>
-          <a:lstStyle/>
-          <a:p>
-            <a:pPr marL="342900" indent="-342900" algn="l">
-              <a:lnSpc>
-                <a:spcPts val="2850"/>
-              </a:lnSpc>
-              <a:buSzPct val="100000"/>
-              <a:buChar char="•"/>
-            </a:pPr>
-            <a:r>
-              <a:rPr lang="en-US" sz="1750" dirty="0">
-                <a:solidFill>
-                  <a:srgbClr val="E5E0DF"/>
-                </a:solidFill>
-                <a:latin typeface="Roboto" pitchFamily="34" charset="0"/>
-                <a:ea typeface="Roboto" pitchFamily="34" charset="-122"/>
-                <a:cs typeface="Roboto" pitchFamily="34" charset="-120"/>
-              </a:rPr>
-              <a:t>Dolor muscular intenso</a:t>
-            </a:r>
-            <a:endParaRPr lang="en-US" sz="1750" dirty="0"/>
-          </a:p>
-        </p:txBody>
-      </p:sp>
-      <p:sp>
-        <p:nvSpPr>
-          <p:cNvPr id="15" name="Text 13"/>
-          <p:cNvSpPr/>
-          <p:nvPr/>
-        </p:nvSpPr>
-        <p:spPr>
-          <a:xfrm>
-            <a:off x="7599521" y="4388406"/>
-            <a:ext cx="6244709" cy="362903"/>
-          </a:xfrm>
-          <a:prstGeom prst="rect">
-            <a:avLst/>
-          </a:prstGeom>
-          <a:noFill/>
-          <a:ln/>
-        </p:spPr>
-        <p:txBody>
-          <a:bodyPr wrap="none" lIns="0" tIns="0" rIns="0" bIns="0" rtlCol="0" anchor="t"/>
-          <a:lstStyle/>
-          <a:p>
-            <a:pPr marL="342900" indent="-342900" algn="l">
-              <a:lnSpc>
-                <a:spcPts val="2850"/>
-              </a:lnSpc>
-              <a:buSzPct val="100000"/>
-              <a:buChar char="•"/>
-            </a:pPr>
-            <a:r>
-              <a:rPr lang="en-US" sz="1750" dirty="0">
-                <a:solidFill>
-                  <a:srgbClr val="E5E0DF"/>
-                </a:solidFill>
-                <a:latin typeface="Roboto" pitchFamily="34" charset="0"/>
-                <a:ea typeface="Roboto" pitchFamily="34" charset="-122"/>
-                <a:cs typeface="Roboto" pitchFamily="34" charset="-120"/>
-              </a:rPr>
-              <a:t>Tos seca</a:t>
-            </a:r>
-            <a:endParaRPr lang="en-US" sz="1750" dirty="0"/>
-          </a:p>
-        </p:txBody>
-      </p:sp>
-      <p:sp>
-        <p:nvSpPr>
-          <p:cNvPr id="16" name="Text 14"/>
-          <p:cNvSpPr/>
-          <p:nvPr/>
-        </p:nvSpPr>
-        <p:spPr>
-          <a:xfrm>
-            <a:off x="7599521" y="4830604"/>
-            <a:ext cx="6244709" cy="362903"/>
-          </a:xfrm>
-          <a:prstGeom prst="rect">
-            <a:avLst/>
-          </a:prstGeom>
-          <a:noFill/>
-          <a:ln/>
-        </p:spPr>
-        <p:txBody>
-          <a:bodyPr wrap="none" lIns="0" tIns="0" rIns="0" bIns="0" rtlCol="0" anchor="t"/>
-          <a:lstStyle/>
-          <a:p>
-            <a:pPr marL="342900" indent="-342900" algn="l">
-              <a:lnSpc>
-                <a:spcPts val="2850"/>
-              </a:lnSpc>
-              <a:buSzPct val="100000"/>
-              <a:buChar char="•"/>
-            </a:pPr>
-            <a:r>
-              <a:rPr lang="en-US" sz="1750" dirty="0">
-                <a:solidFill>
-                  <a:srgbClr val="E5E0DF"/>
-                </a:solidFill>
-                <a:latin typeface="Roboto" pitchFamily="34" charset="0"/>
-                <a:ea typeface="Roboto" pitchFamily="34" charset="-122"/>
-                <a:cs typeface="Roboto" pitchFamily="34" charset="-120"/>
-              </a:rPr>
-              <a:t>Dolor de cabeza</a:t>
-            </a:r>
-            <a:endParaRPr lang="en-US" sz="1750" dirty="0"/>
-          </a:p>
-        </p:txBody>
-      </p:sp>
-      <p:sp>
-        <p:nvSpPr>
-          <p:cNvPr id="17" name="Text 15"/>
-          <p:cNvSpPr/>
-          <p:nvPr/>
-        </p:nvSpPr>
-        <p:spPr>
-          <a:xfrm>
-            <a:off x="7599521" y="5272802"/>
-            <a:ext cx="6244709" cy="362903"/>
-          </a:xfrm>
-          <a:prstGeom prst="rect">
-            <a:avLst/>
-          </a:prstGeom>
-          <a:noFill/>
-          <a:ln/>
-        </p:spPr>
-        <p:txBody>
-          <a:bodyPr wrap="none" lIns="0" tIns="0" rIns="0" bIns="0" rtlCol="0" anchor="t"/>
-          <a:lstStyle/>
-          <a:p>
-            <a:pPr marL="342900" indent="-342900" algn="l">
-              <a:lnSpc>
-                <a:spcPts val="2850"/>
-              </a:lnSpc>
-              <a:buSzPct val="100000"/>
-              <a:buChar char="•"/>
-            </a:pPr>
-            <a:r>
-              <a:rPr lang="en-US" sz="1750" dirty="0">
-                <a:solidFill>
-                  <a:srgbClr val="E5E0DF"/>
-                </a:solidFill>
-                <a:latin typeface="Roboto" pitchFamily="34" charset="0"/>
-                <a:ea typeface="Roboto" pitchFamily="34" charset="-122"/>
-                <a:cs typeface="Roboto" pitchFamily="34" charset="-120"/>
-              </a:rPr>
-              <a:t>Fatiga extrema</a:t>
-            </a:r>
-            <a:endParaRPr lang="en-US" sz="1750" dirty="0"/>
-          </a:p>
-        </p:txBody>
-      </p:sp>
-      <p:sp>
-        <p:nvSpPr>
-          <p:cNvPr id="18" name="Text 16"/>
-          <p:cNvSpPr/>
-          <p:nvPr/>
-        </p:nvSpPr>
-        <p:spPr>
-          <a:xfrm>
-            <a:off x="7599521" y="5715000"/>
-            <a:ext cx="6244709" cy="362903"/>
-          </a:xfrm>
-          <a:prstGeom prst="rect">
-            <a:avLst/>
-          </a:prstGeom>
-          <a:noFill/>
-          <a:ln/>
-        </p:spPr>
-        <p:txBody>
-          <a:bodyPr wrap="none" lIns="0" tIns="0" rIns="0" bIns="0" rtlCol="0" anchor="t"/>
-          <a:lstStyle/>
-          <a:p>
-            <a:pPr marL="342900" indent="-342900" algn="l">
-              <a:lnSpc>
-                <a:spcPts val="2850"/>
-              </a:lnSpc>
-              <a:buSzPct val="100000"/>
-              <a:buChar char="•"/>
-            </a:pPr>
-            <a:r>
-              <a:rPr lang="en-US" sz="1750" dirty="0">
-                <a:solidFill>
-                  <a:srgbClr val="E5E0DF"/>
-                </a:solidFill>
-                <a:latin typeface="Roboto" pitchFamily="34" charset="0"/>
-                <a:ea typeface="Roboto" pitchFamily="34" charset="-122"/>
-                <a:cs typeface="Roboto" pitchFamily="34" charset="-120"/>
-              </a:rPr>
-              <a:t>Escalofríos</a:t>
-            </a:r>
-            <a:endParaRPr lang="en-US" sz="1750" dirty="0"/>
-          </a:p>
-        </p:txBody>
-      </p:sp>
-      <p:sp>
-        <p:nvSpPr>
-          <p:cNvPr id="19" name="Text 17"/>
-          <p:cNvSpPr/>
-          <p:nvPr/>
-        </p:nvSpPr>
-        <p:spPr>
-          <a:xfrm>
-            <a:off x="7599521" y="6157198"/>
-            <a:ext cx="6244709" cy="362903"/>
-          </a:xfrm>
-          <a:prstGeom prst="rect">
-            <a:avLst/>
-          </a:prstGeom>
-          <a:noFill/>
-          <a:ln/>
-        </p:spPr>
-        <p:txBody>
-          <a:bodyPr wrap="none" lIns="0" tIns="0" rIns="0" bIns="0" rtlCol="0" anchor="t"/>
-          <a:lstStyle/>
-          <a:p>
-            <a:pPr marL="342900" indent="-342900" algn="l">
-              <a:lnSpc>
-                <a:spcPts val="2850"/>
-              </a:lnSpc>
-              <a:buSzPct val="100000"/>
-              <a:buChar char="•"/>
-            </a:pPr>
-            <a:r>
-              <a:rPr lang="en-US" sz="1750" dirty="0">
-                <a:solidFill>
-                  <a:srgbClr val="E5E0DF"/>
-                </a:solidFill>
-                <a:latin typeface="Roboto" pitchFamily="34" charset="0"/>
-                <a:ea typeface="Roboto" pitchFamily="34" charset="-122"/>
-                <a:cs typeface="Roboto" pitchFamily="34" charset="-120"/>
-              </a:rPr>
-              <a:t>Pérdida del apetito</a:t>
-            </a:r>
-            <a:endParaRPr lang="en-US" sz="1750" dirty="0"/>
-          </a:p>
-        </p:txBody>
-      </p:sp>
-      <p:sp>
-        <p:nvSpPr>
-          <p:cNvPr id="20" name="Text 18"/>
-          <p:cNvSpPr/>
-          <p:nvPr/>
-        </p:nvSpPr>
-        <p:spPr>
-          <a:xfrm>
-            <a:off x="7599521" y="6724174"/>
-            <a:ext cx="6244709" cy="362903"/>
-          </a:xfrm>
-          <a:prstGeom prst="rect">
-            <a:avLst/>
-          </a:prstGeom>
-          <a:noFill/>
-          <a:ln/>
-        </p:spPr>
-        <p:txBody>
-          <a:bodyPr wrap="none" lIns="0" tIns="0" rIns="0" bIns="0" rtlCol="0" anchor="t"/>
-          <a:lstStyle/>
-          <a:p>
-            <a:pPr marL="0" indent="0" algn="l">
-              <a:lnSpc>
-                <a:spcPts val="2850"/>
-              </a:lnSpc>
-              <a:buNone/>
-            </a:pPr>
-            <a:r>
-              <a:rPr lang="en-US" sz="1750" dirty="0">
-                <a:solidFill>
-                  <a:srgbClr val="E5E0DF"/>
-                </a:solidFill>
-                <a:latin typeface="Roboto" pitchFamily="34" charset="0"/>
-                <a:ea typeface="Roboto" pitchFamily="34" charset="-122"/>
-                <a:cs typeface="Roboto" pitchFamily="34" charset="-120"/>
-              </a:rPr>
-              <a:t>Regla: H ∧ I ∧ J ∧ K ∧ L ∧ M ∧ N → Gripe (Influenza)</a:t>
-            </a:r>
-            <a:endParaRPr lang="en-US" sz="1750" dirty="0"/>
-          </a:p>
-        </p:txBody>
-      </p:sp>
-      <p:sp>
-        <p:nvSpPr>
-          <p:cNvPr id="21" name="Rectángulo 20">
+          <p:cNvPr id="2" name="Rectángulo 1">
             <a:extLst>
               <a:ext uri="{FF2B5EF4-FFF2-40B4-BE49-F238E27FC236}">
-                <a16:creationId xmlns:a16="http://schemas.microsoft.com/office/drawing/2014/main" id="{95436D2A-29F4-AA2D-6204-F19DEAD32A95}"/>
+                <a16:creationId xmlns:a16="http://schemas.microsoft.com/office/drawing/2014/main" id="{5D386006-973E-9CFE-62AE-8A320AC83BC8}"/>
               </a:ext>
             </a:extLst>
           </p:cNvPr>
@@ -4306,6 +3498,1549 @@
           </a:p>
         </p:txBody>
       </p:sp>
+      <p:sp>
+        <p:nvSpPr>
+          <p:cNvPr id="3" name="Text 0">
+            <a:extLst>
+              <a:ext uri="{FF2B5EF4-FFF2-40B4-BE49-F238E27FC236}">
+                <a16:creationId xmlns:a16="http://schemas.microsoft.com/office/drawing/2014/main" id="{445AA8EA-023C-5A91-BD04-F1014C1A9759}"/>
+              </a:ext>
+            </a:extLst>
+          </p:cNvPr>
+          <p:cNvSpPr/>
+          <p:nvPr/>
+        </p:nvSpPr>
+        <p:spPr>
+          <a:xfrm>
+            <a:off x="793790" y="938332"/>
+            <a:ext cx="13042821" cy="1417558"/>
+          </a:xfrm>
+          <a:prstGeom prst="rect">
+            <a:avLst/>
+          </a:prstGeom>
+          <a:noFill/>
+          <a:ln/>
+        </p:spPr>
+        <p:txBody>
+          <a:bodyPr wrap="square" lIns="0" tIns="0" rIns="0" bIns="0" rtlCol="0" anchor="t"/>
+          <a:lstStyle/>
+          <a:p>
+            <a:pPr marL="0" indent="0" algn="l">
+              <a:lnSpc>
+                <a:spcPts val="5550"/>
+              </a:lnSpc>
+              <a:buNone/>
+            </a:pPr>
+            <a:r>
+              <a:rPr lang="en-US" sz="4450" dirty="0" err="1">
+                <a:solidFill>
+                  <a:srgbClr val="FFFFFF"/>
+                </a:solidFill>
+                <a:latin typeface="Roboto Mono Medium" pitchFamily="34" charset="0"/>
+                <a:ea typeface="Roboto Mono Medium" pitchFamily="34" charset="-122"/>
+                <a:cs typeface="Roboto Mono Medium" pitchFamily="34" charset="-120"/>
+              </a:rPr>
+              <a:t>Hechos</a:t>
+            </a:r>
+            <a:r>
+              <a:rPr lang="en-US" sz="4450" dirty="0">
+                <a:solidFill>
+                  <a:srgbClr val="FFFFFF"/>
+                </a:solidFill>
+                <a:latin typeface="Roboto Mono Medium" pitchFamily="34" charset="0"/>
+                <a:ea typeface="Roboto Mono Medium" pitchFamily="34" charset="-122"/>
+                <a:cs typeface="Roboto Mono Medium" pitchFamily="34" charset="-120"/>
+              </a:rPr>
+              <a:t>:</a:t>
+            </a:r>
+            <a:endParaRPr lang="en-US" sz="4450" dirty="0"/>
+          </a:p>
+        </p:txBody>
+      </p:sp>
+      <p:sp>
+        <p:nvSpPr>
+          <p:cNvPr id="4" name="CuadroTexto 3">
+            <a:extLst>
+              <a:ext uri="{FF2B5EF4-FFF2-40B4-BE49-F238E27FC236}">
+                <a16:creationId xmlns:a16="http://schemas.microsoft.com/office/drawing/2014/main" id="{0EFB9E68-6A3D-41BD-4F81-B4F3750FAA78}"/>
+              </a:ext>
+            </a:extLst>
+          </p:cNvPr>
+          <p:cNvSpPr txBox="1"/>
+          <p:nvPr/>
+        </p:nvSpPr>
+        <p:spPr>
+          <a:xfrm>
+            <a:off x="608261" y="1881809"/>
+            <a:ext cx="5474488" cy="6247864"/>
+          </a:xfrm>
+          <a:prstGeom prst="rect">
+            <a:avLst/>
+          </a:prstGeom>
+          <a:noFill/>
+        </p:spPr>
+        <p:txBody>
+          <a:bodyPr wrap="square" rtlCol="0">
+            <a:spAutoFit/>
+          </a:bodyPr>
+          <a:lstStyle/>
+          <a:p>
+            <a:pPr>
+              <a:buNone/>
+            </a:pPr>
+            <a:r>
+              <a:rPr lang="es-MX" sz="2000" dirty="0">
+                <a:solidFill>
+                  <a:schemeClr val="bg1"/>
+                </a:solidFill>
+                <a:effectLst/>
+                <a:latin typeface="Roboto" panose="02000000000000000000" pitchFamily="2" charset="0"/>
+                <a:ea typeface="Roboto" panose="02000000000000000000" pitchFamily="2" charset="0"/>
+                <a:cs typeface="Roboto" panose="02000000000000000000" pitchFamily="2" charset="0"/>
+              </a:rPr>
+              <a:t>A: Congestión nasal</a:t>
+            </a:r>
+          </a:p>
+          <a:p>
+            <a:pPr>
+              <a:buNone/>
+            </a:pPr>
+            <a:r>
+              <a:rPr lang="es-MX" sz="2000" dirty="0">
+                <a:solidFill>
+                  <a:schemeClr val="bg1"/>
+                </a:solidFill>
+                <a:effectLst/>
+                <a:latin typeface="Roboto" panose="02000000000000000000" pitchFamily="2" charset="0"/>
+                <a:ea typeface="Roboto" panose="02000000000000000000" pitchFamily="2" charset="0"/>
+                <a:cs typeface="Roboto" panose="02000000000000000000" pitchFamily="2" charset="0"/>
+              </a:rPr>
+              <a:t>B: Estornudos</a:t>
+            </a:r>
+          </a:p>
+          <a:p>
+            <a:pPr>
+              <a:buNone/>
+            </a:pPr>
+            <a:r>
+              <a:rPr lang="es-MX" sz="2000" dirty="0">
+                <a:solidFill>
+                  <a:schemeClr val="bg1"/>
+                </a:solidFill>
+                <a:effectLst/>
+                <a:latin typeface="Roboto" panose="02000000000000000000" pitchFamily="2" charset="0"/>
+                <a:ea typeface="Roboto" panose="02000000000000000000" pitchFamily="2" charset="0"/>
+                <a:cs typeface="Roboto" panose="02000000000000000000" pitchFamily="2" charset="0"/>
+              </a:rPr>
+              <a:t>C: Dolor de garganta leve</a:t>
+            </a:r>
+          </a:p>
+          <a:p>
+            <a:pPr>
+              <a:buNone/>
+            </a:pPr>
+            <a:r>
+              <a:rPr lang="es-MX" sz="2000" dirty="0">
+                <a:solidFill>
+                  <a:schemeClr val="bg1"/>
+                </a:solidFill>
+                <a:effectLst/>
+                <a:latin typeface="Roboto" panose="02000000000000000000" pitchFamily="2" charset="0"/>
+                <a:ea typeface="Roboto" panose="02000000000000000000" pitchFamily="2" charset="0"/>
+                <a:cs typeface="Roboto" panose="02000000000000000000" pitchFamily="2" charset="0"/>
+              </a:rPr>
+              <a:t>D: Tos</a:t>
+            </a:r>
+          </a:p>
+          <a:p>
+            <a:pPr>
+              <a:buNone/>
+            </a:pPr>
+            <a:r>
+              <a:rPr lang="es-MX" sz="2000" dirty="0">
+                <a:solidFill>
+                  <a:schemeClr val="bg1"/>
+                </a:solidFill>
+                <a:effectLst/>
+                <a:latin typeface="Roboto" panose="02000000000000000000" pitchFamily="2" charset="0"/>
+                <a:ea typeface="Roboto" panose="02000000000000000000" pitchFamily="2" charset="0"/>
+                <a:cs typeface="Roboto" panose="02000000000000000000" pitchFamily="2" charset="0"/>
+              </a:rPr>
+              <a:t>E: Fiebre baja o ausente</a:t>
+            </a:r>
+          </a:p>
+          <a:p>
+            <a:pPr>
+              <a:buNone/>
+            </a:pPr>
+            <a:r>
+              <a:rPr lang="es-MX" sz="2000" dirty="0">
+                <a:solidFill>
+                  <a:schemeClr val="bg1"/>
+                </a:solidFill>
+                <a:effectLst/>
+                <a:latin typeface="Roboto" panose="02000000000000000000" pitchFamily="2" charset="0"/>
+                <a:ea typeface="Roboto" panose="02000000000000000000" pitchFamily="2" charset="0"/>
+                <a:cs typeface="Roboto" panose="02000000000000000000" pitchFamily="2" charset="0"/>
+              </a:rPr>
+              <a:t>F: Dolor leve de cabeza</a:t>
+            </a:r>
+          </a:p>
+          <a:p>
+            <a:pPr>
+              <a:buNone/>
+            </a:pPr>
+            <a:r>
+              <a:rPr lang="es-MX" sz="2000" dirty="0">
+                <a:solidFill>
+                  <a:schemeClr val="bg1"/>
+                </a:solidFill>
+                <a:effectLst/>
+                <a:latin typeface="Roboto" panose="02000000000000000000" pitchFamily="2" charset="0"/>
+                <a:ea typeface="Roboto" panose="02000000000000000000" pitchFamily="2" charset="0"/>
+                <a:cs typeface="Roboto" panose="02000000000000000000" pitchFamily="2" charset="0"/>
+              </a:rPr>
+              <a:t>G: Ojos llorosos</a:t>
+            </a:r>
+          </a:p>
+          <a:p>
+            <a:pPr>
+              <a:buNone/>
+            </a:pPr>
+            <a:r>
+              <a:rPr lang="es-MX" sz="2000" dirty="0">
+                <a:solidFill>
+                  <a:schemeClr val="bg1"/>
+                </a:solidFill>
+                <a:effectLst/>
+                <a:latin typeface="Roboto" panose="02000000000000000000" pitchFamily="2" charset="0"/>
+                <a:ea typeface="Roboto" panose="02000000000000000000" pitchFamily="2" charset="0"/>
+                <a:cs typeface="Roboto" panose="02000000000000000000" pitchFamily="2" charset="0"/>
+              </a:rPr>
+              <a:t>H: Fiebre alta (&gt;38.5°C)</a:t>
+            </a:r>
+          </a:p>
+          <a:p>
+            <a:pPr>
+              <a:buNone/>
+            </a:pPr>
+            <a:r>
+              <a:rPr lang="es-MX" sz="2000" dirty="0">
+                <a:solidFill>
+                  <a:schemeClr val="bg1"/>
+                </a:solidFill>
+                <a:effectLst/>
+                <a:latin typeface="Roboto" panose="02000000000000000000" pitchFamily="2" charset="0"/>
+                <a:ea typeface="Roboto" panose="02000000000000000000" pitchFamily="2" charset="0"/>
+                <a:cs typeface="Roboto" panose="02000000000000000000" pitchFamily="2" charset="0"/>
+              </a:rPr>
+              <a:t>I: Dolor muscular intenso</a:t>
+            </a:r>
+          </a:p>
+          <a:p>
+            <a:pPr>
+              <a:buNone/>
+            </a:pPr>
+            <a:r>
+              <a:rPr lang="es-MX" sz="2000" dirty="0">
+                <a:solidFill>
+                  <a:schemeClr val="bg1"/>
+                </a:solidFill>
+                <a:effectLst/>
+                <a:latin typeface="Roboto" panose="02000000000000000000" pitchFamily="2" charset="0"/>
+                <a:ea typeface="Roboto" panose="02000000000000000000" pitchFamily="2" charset="0"/>
+                <a:cs typeface="Roboto" panose="02000000000000000000" pitchFamily="2" charset="0"/>
+              </a:rPr>
+              <a:t>J: Tos seca</a:t>
+            </a:r>
+          </a:p>
+          <a:p>
+            <a:pPr>
+              <a:buNone/>
+            </a:pPr>
+            <a:r>
+              <a:rPr lang="es-MX" sz="2000" dirty="0">
+                <a:solidFill>
+                  <a:schemeClr val="bg1"/>
+                </a:solidFill>
+                <a:effectLst/>
+                <a:latin typeface="Roboto" panose="02000000000000000000" pitchFamily="2" charset="0"/>
+                <a:ea typeface="Roboto" panose="02000000000000000000" pitchFamily="2" charset="0"/>
+                <a:cs typeface="Roboto" panose="02000000000000000000" pitchFamily="2" charset="0"/>
+              </a:rPr>
+              <a:t>K: Dolor de cabeza</a:t>
+            </a:r>
+          </a:p>
+          <a:p>
+            <a:pPr>
+              <a:buNone/>
+            </a:pPr>
+            <a:r>
+              <a:rPr lang="es-MX" sz="2000" dirty="0">
+                <a:solidFill>
+                  <a:schemeClr val="bg1"/>
+                </a:solidFill>
+                <a:effectLst/>
+                <a:latin typeface="Roboto" panose="02000000000000000000" pitchFamily="2" charset="0"/>
+                <a:ea typeface="Roboto" panose="02000000000000000000" pitchFamily="2" charset="0"/>
+                <a:cs typeface="Roboto" panose="02000000000000000000" pitchFamily="2" charset="0"/>
+              </a:rPr>
+              <a:t>L: Fatiga extrema</a:t>
+            </a:r>
+          </a:p>
+          <a:p>
+            <a:pPr>
+              <a:buNone/>
+            </a:pPr>
+            <a:r>
+              <a:rPr lang="es-MX" sz="2000" dirty="0">
+                <a:solidFill>
+                  <a:schemeClr val="bg1"/>
+                </a:solidFill>
+                <a:effectLst/>
+                <a:latin typeface="Roboto" panose="02000000000000000000" pitchFamily="2" charset="0"/>
+                <a:ea typeface="Roboto" panose="02000000000000000000" pitchFamily="2" charset="0"/>
+                <a:cs typeface="Roboto" panose="02000000000000000000" pitchFamily="2" charset="0"/>
+              </a:rPr>
+              <a:t>M: Escalofríos</a:t>
+            </a:r>
+          </a:p>
+          <a:p>
+            <a:pPr>
+              <a:buNone/>
+            </a:pPr>
+            <a:r>
+              <a:rPr lang="es-MX" sz="2000" dirty="0">
+                <a:solidFill>
+                  <a:schemeClr val="bg1"/>
+                </a:solidFill>
+                <a:effectLst/>
+                <a:latin typeface="Roboto" panose="02000000000000000000" pitchFamily="2" charset="0"/>
+                <a:ea typeface="Roboto" panose="02000000000000000000" pitchFamily="2" charset="0"/>
+                <a:cs typeface="Roboto" panose="02000000000000000000" pitchFamily="2" charset="0"/>
+              </a:rPr>
+              <a:t>N: Pérdida del apetito</a:t>
+            </a:r>
+          </a:p>
+          <a:p>
+            <a:pPr>
+              <a:buNone/>
+            </a:pPr>
+            <a:r>
+              <a:rPr lang="es-MX" sz="2000" dirty="0">
+                <a:solidFill>
+                  <a:schemeClr val="bg1"/>
+                </a:solidFill>
+                <a:effectLst/>
+                <a:latin typeface="Roboto" panose="02000000000000000000" pitchFamily="2" charset="0"/>
+                <a:ea typeface="Roboto" panose="02000000000000000000" pitchFamily="2" charset="0"/>
+                <a:cs typeface="Roboto" panose="02000000000000000000" pitchFamily="2" charset="0"/>
+              </a:rPr>
+              <a:t>O: Dolor de garganta intenso</a:t>
+            </a:r>
+          </a:p>
+          <a:p>
+            <a:pPr>
+              <a:buNone/>
+            </a:pPr>
+            <a:r>
+              <a:rPr lang="es-MX" sz="2000" dirty="0">
+                <a:solidFill>
+                  <a:schemeClr val="bg1"/>
+                </a:solidFill>
+                <a:effectLst/>
+                <a:latin typeface="Roboto" panose="02000000000000000000" pitchFamily="2" charset="0"/>
+                <a:ea typeface="Roboto" panose="02000000000000000000" pitchFamily="2" charset="0"/>
+                <a:cs typeface="Roboto" panose="02000000000000000000" pitchFamily="2" charset="0"/>
+              </a:rPr>
+              <a:t>P: Dificultad para tragar</a:t>
+            </a:r>
+          </a:p>
+          <a:p>
+            <a:pPr>
+              <a:buNone/>
+            </a:pPr>
+            <a:r>
+              <a:rPr lang="es-MX" sz="2000" dirty="0">
+                <a:solidFill>
+                  <a:schemeClr val="bg1"/>
+                </a:solidFill>
+                <a:effectLst/>
+                <a:latin typeface="Roboto" panose="02000000000000000000" pitchFamily="2" charset="0"/>
+                <a:ea typeface="Roboto" panose="02000000000000000000" pitchFamily="2" charset="0"/>
+                <a:cs typeface="Roboto" panose="02000000000000000000" pitchFamily="2" charset="0"/>
+              </a:rPr>
+              <a:t>Q: Enrojecimiento de la faringe</a:t>
+            </a:r>
+          </a:p>
+          <a:p>
+            <a:pPr>
+              <a:buNone/>
+            </a:pPr>
+            <a:r>
+              <a:rPr lang="es-MX" sz="2000" dirty="0">
+                <a:solidFill>
+                  <a:schemeClr val="bg1"/>
+                </a:solidFill>
+                <a:effectLst/>
+                <a:latin typeface="Roboto" panose="02000000000000000000" pitchFamily="2" charset="0"/>
+                <a:ea typeface="Roboto" panose="02000000000000000000" pitchFamily="2" charset="0"/>
+                <a:cs typeface="Roboto" panose="02000000000000000000" pitchFamily="2" charset="0"/>
+              </a:rPr>
+              <a:t>R: Voz ronca</a:t>
+            </a:r>
+          </a:p>
+          <a:p>
+            <a:pPr>
+              <a:buNone/>
+            </a:pPr>
+            <a:r>
+              <a:rPr lang="es-MX" sz="2000" dirty="0">
+                <a:solidFill>
+                  <a:schemeClr val="bg1"/>
+                </a:solidFill>
+                <a:effectLst/>
+                <a:latin typeface="Roboto" panose="02000000000000000000" pitchFamily="2" charset="0"/>
+                <a:ea typeface="Roboto" panose="02000000000000000000" pitchFamily="2" charset="0"/>
+                <a:cs typeface="Roboto" panose="02000000000000000000" pitchFamily="2" charset="0"/>
+              </a:rPr>
+              <a:t>S: Amígdalas inflamadas</a:t>
+            </a:r>
+          </a:p>
+          <a:p>
+            <a:pPr>
+              <a:buNone/>
+            </a:pPr>
+            <a:r>
+              <a:rPr lang="es-MX" sz="2000" dirty="0">
+                <a:solidFill>
+                  <a:schemeClr val="bg1"/>
+                </a:solidFill>
+                <a:effectLst/>
+                <a:latin typeface="Roboto" panose="02000000000000000000" pitchFamily="2" charset="0"/>
+                <a:ea typeface="Roboto" panose="02000000000000000000" pitchFamily="2" charset="0"/>
+                <a:cs typeface="Roboto" panose="02000000000000000000" pitchFamily="2" charset="0"/>
+              </a:rPr>
+              <a:t>T: Dolor o presión facial</a:t>
+            </a:r>
+          </a:p>
+        </p:txBody>
+      </p:sp>
+      <p:sp>
+        <p:nvSpPr>
+          <p:cNvPr id="5" name="CuadroTexto 4">
+            <a:extLst>
+              <a:ext uri="{FF2B5EF4-FFF2-40B4-BE49-F238E27FC236}">
+                <a16:creationId xmlns:a16="http://schemas.microsoft.com/office/drawing/2014/main" id="{C612B823-5F80-D1EA-3594-8EC8D621D91C}"/>
+              </a:ext>
+            </a:extLst>
+          </p:cNvPr>
+          <p:cNvSpPr txBox="1"/>
+          <p:nvPr/>
+        </p:nvSpPr>
+        <p:spPr>
+          <a:xfrm>
+            <a:off x="4842331" y="1881809"/>
+            <a:ext cx="5474488" cy="3785652"/>
+          </a:xfrm>
+          <a:prstGeom prst="rect">
+            <a:avLst/>
+          </a:prstGeom>
+          <a:noFill/>
+        </p:spPr>
+        <p:txBody>
+          <a:bodyPr wrap="square" rtlCol="0">
+            <a:spAutoFit/>
+          </a:bodyPr>
+          <a:lstStyle/>
+          <a:p>
+            <a:pPr>
+              <a:buNone/>
+            </a:pPr>
+            <a:r>
+              <a:rPr lang="es-MX" sz="2000" dirty="0">
+                <a:solidFill>
+                  <a:schemeClr val="bg1"/>
+                </a:solidFill>
+                <a:effectLst/>
+                <a:latin typeface="Roboto" panose="02000000000000000000" pitchFamily="2" charset="0"/>
+                <a:ea typeface="Roboto" panose="02000000000000000000" pitchFamily="2" charset="0"/>
+                <a:cs typeface="Roboto" panose="02000000000000000000" pitchFamily="2" charset="0"/>
+              </a:rPr>
+              <a:t>U: Secreción nasal espesa, amarilla o</a:t>
+            </a:r>
+          </a:p>
+          <a:p>
+            <a:pPr>
+              <a:buNone/>
+            </a:pPr>
+            <a:r>
+              <a:rPr lang="es-MX" sz="2000" dirty="0">
+                <a:solidFill>
+                  <a:schemeClr val="bg1"/>
+                </a:solidFill>
+                <a:effectLst/>
+                <a:latin typeface="Roboto" panose="02000000000000000000" pitchFamily="2" charset="0"/>
+                <a:ea typeface="Roboto" panose="02000000000000000000" pitchFamily="2" charset="0"/>
+                <a:cs typeface="Roboto" panose="02000000000000000000" pitchFamily="2" charset="0"/>
+              </a:rPr>
+              <a:t>verde</a:t>
+            </a:r>
+          </a:p>
+          <a:p>
+            <a:pPr>
+              <a:buNone/>
+            </a:pPr>
+            <a:r>
+              <a:rPr lang="es-MX" sz="2000" dirty="0">
+                <a:solidFill>
+                  <a:schemeClr val="bg1"/>
+                </a:solidFill>
+                <a:effectLst/>
+                <a:latin typeface="Roboto" panose="02000000000000000000" pitchFamily="2" charset="0"/>
+                <a:ea typeface="Roboto" panose="02000000000000000000" pitchFamily="2" charset="0"/>
+                <a:cs typeface="Roboto" panose="02000000000000000000" pitchFamily="2" charset="0"/>
+              </a:rPr>
+              <a:t>V: Pérdida del olfato o gusto</a:t>
+            </a:r>
+          </a:p>
+          <a:p>
+            <a:pPr>
+              <a:buNone/>
+            </a:pPr>
+            <a:r>
+              <a:rPr lang="es-MX" sz="2000" dirty="0">
+                <a:solidFill>
+                  <a:schemeClr val="bg1"/>
+                </a:solidFill>
+                <a:effectLst/>
+                <a:latin typeface="Roboto" panose="02000000000000000000" pitchFamily="2" charset="0"/>
+                <a:ea typeface="Roboto" panose="02000000000000000000" pitchFamily="2" charset="0"/>
+                <a:cs typeface="Roboto" panose="02000000000000000000" pitchFamily="2" charset="0"/>
+              </a:rPr>
+              <a:t>W: Mal aliento</a:t>
+            </a:r>
+          </a:p>
+          <a:p>
+            <a:pPr>
+              <a:buNone/>
+            </a:pPr>
+            <a:r>
+              <a:rPr lang="es-MX" sz="2000" dirty="0">
+                <a:solidFill>
+                  <a:schemeClr val="bg1"/>
+                </a:solidFill>
+                <a:effectLst/>
+                <a:latin typeface="Roboto" panose="02000000000000000000" pitchFamily="2" charset="0"/>
+                <a:ea typeface="Roboto" panose="02000000000000000000" pitchFamily="2" charset="0"/>
+                <a:cs typeface="Roboto" panose="02000000000000000000" pitchFamily="2" charset="0"/>
+              </a:rPr>
+              <a:t>X: Producción de flema</a:t>
+            </a:r>
+          </a:p>
+          <a:p>
+            <a:pPr>
+              <a:buNone/>
+            </a:pPr>
+            <a:r>
+              <a:rPr lang="es-MX" sz="2000" dirty="0">
+                <a:solidFill>
+                  <a:schemeClr val="bg1"/>
+                </a:solidFill>
+                <a:effectLst/>
+                <a:latin typeface="Roboto" panose="02000000000000000000" pitchFamily="2" charset="0"/>
+                <a:ea typeface="Roboto" panose="02000000000000000000" pitchFamily="2" charset="0"/>
+                <a:cs typeface="Roboto" panose="02000000000000000000" pitchFamily="2" charset="0"/>
+              </a:rPr>
+              <a:t>Y: Dolor en el pecho / Dolor al respirar</a:t>
+            </a:r>
+          </a:p>
+          <a:p>
+            <a:r>
+              <a:rPr lang="es-MX" sz="2000" dirty="0">
+                <a:solidFill>
+                  <a:schemeClr val="bg1"/>
+                </a:solidFill>
+                <a:effectLst/>
+                <a:latin typeface="Roboto" panose="02000000000000000000" pitchFamily="2" charset="0"/>
+                <a:ea typeface="Roboto" panose="02000000000000000000" pitchFamily="2" charset="0"/>
+                <a:cs typeface="Roboto" panose="02000000000000000000" pitchFamily="2" charset="0"/>
+              </a:rPr>
+              <a:t>Z: Sibilancias</a:t>
+            </a:r>
+          </a:p>
+          <a:p>
+            <a:pPr>
+              <a:buNone/>
+            </a:pPr>
+            <a:r>
+              <a:rPr lang="es-MX" sz="2000" dirty="0">
+                <a:solidFill>
+                  <a:schemeClr val="bg1"/>
+                </a:solidFill>
+                <a:effectLst/>
+                <a:latin typeface="Roboto" panose="02000000000000000000" pitchFamily="2" charset="0"/>
+                <a:ea typeface="Roboto" panose="02000000000000000000" pitchFamily="2" charset="0"/>
+                <a:cs typeface="Roboto" panose="02000000000000000000" pitchFamily="2" charset="0"/>
+              </a:rPr>
+              <a:t>AA: Sensación de falta de aire</a:t>
+            </a:r>
+          </a:p>
+          <a:p>
+            <a:pPr>
+              <a:buNone/>
+            </a:pPr>
+            <a:r>
+              <a:rPr lang="es-MX" sz="2000" dirty="0">
+                <a:solidFill>
+                  <a:schemeClr val="bg1"/>
+                </a:solidFill>
+                <a:effectLst/>
+                <a:latin typeface="Roboto" panose="02000000000000000000" pitchFamily="2" charset="0"/>
+                <a:ea typeface="Roboto" panose="02000000000000000000" pitchFamily="2" charset="0"/>
+                <a:cs typeface="Roboto" panose="02000000000000000000" pitchFamily="2" charset="0"/>
+              </a:rPr>
+              <a:t>AB: Dificultad para respirar</a:t>
+            </a:r>
+          </a:p>
+          <a:p>
+            <a:pPr>
+              <a:buNone/>
+            </a:pPr>
+            <a:r>
+              <a:rPr lang="es-MX" sz="2000" dirty="0">
+                <a:solidFill>
+                  <a:schemeClr val="bg1"/>
+                </a:solidFill>
+                <a:effectLst/>
+                <a:latin typeface="Roboto" panose="02000000000000000000" pitchFamily="2" charset="0"/>
+                <a:ea typeface="Roboto" panose="02000000000000000000" pitchFamily="2" charset="0"/>
+                <a:cs typeface="Roboto" panose="02000000000000000000" pitchFamily="2" charset="0"/>
+              </a:rPr>
+              <a:t>AC: Respiración rápida o superficial</a:t>
+            </a:r>
+          </a:p>
+          <a:p>
+            <a:r>
+              <a:rPr lang="es-MX" sz="2000" dirty="0">
+                <a:solidFill>
+                  <a:schemeClr val="bg1"/>
+                </a:solidFill>
+                <a:effectLst/>
+                <a:latin typeface="Roboto" panose="02000000000000000000" pitchFamily="2" charset="0"/>
+                <a:ea typeface="Roboto" panose="02000000000000000000" pitchFamily="2" charset="0"/>
+                <a:cs typeface="Roboto" panose="02000000000000000000" pitchFamily="2" charset="0"/>
+              </a:rPr>
+              <a:t>AD: Cansancio extremo</a:t>
+            </a:r>
+          </a:p>
+          <a:p>
+            <a:endParaRPr lang="es-MX" sz="2000" dirty="0">
+              <a:solidFill>
+                <a:schemeClr val="bg1"/>
+              </a:solidFill>
+              <a:effectLst/>
+              <a:latin typeface="Roboto" panose="02000000000000000000" pitchFamily="2" charset="0"/>
+              <a:ea typeface="Roboto" panose="02000000000000000000" pitchFamily="2" charset="0"/>
+              <a:cs typeface="Roboto" panose="02000000000000000000" pitchFamily="2" charset="0"/>
+            </a:endParaRPr>
+          </a:p>
+        </p:txBody>
+      </p:sp>
+    </p:spTree>
+    <p:extLst>
+      <p:ext uri="{BB962C8B-B14F-4D97-AF65-F5344CB8AC3E}">
+        <p14:creationId xmlns:p14="http://schemas.microsoft.com/office/powerpoint/2010/main" val="1837595369"/>
+      </p:ext>
+    </p:extLst>
+  </p:cSld>
+  <p:clrMapOvr>
+    <a:masterClrMapping/>
+  </p:clrMapOvr>
+</p:sld>
+</file>
+
+<file path=ppt/slides/slide6.xml><?xml version="1.0" encoding="utf-8"?>
+<p:sld xmlns:a="http://schemas.openxmlformats.org/drawingml/2006/main" xmlns:r="http://schemas.openxmlformats.org/officeDocument/2006/relationships" xmlns:p="http://schemas.openxmlformats.org/presentationml/2006/main">
+  <p:cSld name="Slide 5">
+    <p:spTree>
+      <p:nvGrpSpPr>
+        <p:cNvPr id="1" name=""/>
+        <p:cNvGrpSpPr/>
+        <p:nvPr/>
+      </p:nvGrpSpPr>
+      <p:grpSpPr>
+        <a:xfrm>
+          <a:off x="0" y="0"/>
+          <a:ext cx="0" cy="0"/>
+          <a:chOff x="0" y="0"/>
+          <a:chExt cx="0" cy="0"/>
+        </a:xfrm>
+      </p:grpSpPr>
+      <p:sp>
+        <p:nvSpPr>
+          <p:cNvPr id="2" name="Text 0"/>
+          <p:cNvSpPr/>
+          <p:nvPr/>
+        </p:nvSpPr>
+        <p:spPr>
+          <a:xfrm>
+            <a:off x="793790" y="938332"/>
+            <a:ext cx="13042821" cy="1417558"/>
+          </a:xfrm>
+          <a:prstGeom prst="rect">
+            <a:avLst/>
+          </a:prstGeom>
+          <a:noFill/>
+          <a:ln/>
+        </p:spPr>
+        <p:txBody>
+          <a:bodyPr wrap="square" lIns="0" tIns="0" rIns="0" bIns="0" rtlCol="0" anchor="t"/>
+          <a:lstStyle/>
+          <a:p>
+            <a:pPr marL="0" indent="0" algn="l">
+              <a:lnSpc>
+                <a:spcPts val="5550"/>
+              </a:lnSpc>
+              <a:buNone/>
+            </a:pPr>
+            <a:r>
+              <a:rPr lang="en-US" sz="4450" dirty="0">
+                <a:solidFill>
+                  <a:srgbClr val="FFFFFF"/>
+                </a:solidFill>
+                <a:latin typeface="Roboto Mono Medium" pitchFamily="34" charset="0"/>
+                <a:ea typeface="Roboto Mono Medium" pitchFamily="34" charset="-122"/>
+                <a:cs typeface="Roboto Mono Medium" pitchFamily="34" charset="-120"/>
+              </a:rPr>
+              <a:t>Reglas Matemáticas: Resfriado Común y Gripe</a:t>
+            </a:r>
+            <a:endParaRPr lang="en-US" sz="4450" dirty="0"/>
+          </a:p>
+        </p:txBody>
+      </p:sp>
+      <p:sp>
+        <p:nvSpPr>
+          <p:cNvPr id="3" name="Text 1"/>
+          <p:cNvSpPr/>
+          <p:nvPr/>
+        </p:nvSpPr>
+        <p:spPr>
+          <a:xfrm>
+            <a:off x="793790" y="2922865"/>
+            <a:ext cx="2835235" cy="354330"/>
+          </a:xfrm>
+          <a:prstGeom prst="rect">
+            <a:avLst/>
+          </a:prstGeom>
+          <a:noFill/>
+          <a:ln/>
+        </p:spPr>
+        <p:txBody>
+          <a:bodyPr wrap="none" lIns="0" tIns="0" rIns="0" bIns="0" rtlCol="0" anchor="t"/>
+          <a:lstStyle/>
+          <a:p>
+            <a:pPr marL="0" indent="0" algn="l">
+              <a:lnSpc>
+                <a:spcPts val="2750"/>
+              </a:lnSpc>
+              <a:buNone/>
+            </a:pPr>
+            <a:r>
+              <a:rPr lang="en-US" sz="2200" dirty="0">
+                <a:solidFill>
+                  <a:srgbClr val="FFFFFF"/>
+                </a:solidFill>
+                <a:latin typeface="Roboto Mono Medium" pitchFamily="34" charset="0"/>
+                <a:ea typeface="Roboto Mono Medium" pitchFamily="34" charset="-122"/>
+                <a:cs typeface="Roboto Mono Medium" pitchFamily="34" charset="-120"/>
+              </a:rPr>
+              <a:t>Resfriado Común</a:t>
+            </a:r>
+            <a:endParaRPr lang="en-US" sz="2200" dirty="0"/>
+          </a:p>
+        </p:txBody>
+      </p:sp>
+      <p:sp>
+        <p:nvSpPr>
+          <p:cNvPr id="4" name="Text 2"/>
+          <p:cNvSpPr/>
+          <p:nvPr/>
+        </p:nvSpPr>
+        <p:spPr>
+          <a:xfrm>
+            <a:off x="793790" y="3504009"/>
+            <a:ext cx="6244709" cy="362903"/>
+          </a:xfrm>
+          <a:prstGeom prst="rect">
+            <a:avLst/>
+          </a:prstGeom>
+          <a:noFill/>
+          <a:ln/>
+        </p:spPr>
+        <p:txBody>
+          <a:bodyPr wrap="none" lIns="0" tIns="0" rIns="0" bIns="0" rtlCol="0" anchor="t"/>
+          <a:lstStyle/>
+          <a:p>
+            <a:pPr marL="342900" indent="-342900" algn="l">
+              <a:lnSpc>
+                <a:spcPts val="2850"/>
+              </a:lnSpc>
+              <a:buSzPct val="100000"/>
+              <a:buChar char="•"/>
+            </a:pPr>
+            <a:r>
+              <a:rPr lang="en-US" sz="1750" dirty="0">
+                <a:solidFill>
+                  <a:srgbClr val="E5E0DF"/>
+                </a:solidFill>
+                <a:latin typeface="Roboto" pitchFamily="34" charset="0"/>
+                <a:ea typeface="Roboto" pitchFamily="34" charset="-122"/>
+                <a:cs typeface="Roboto" pitchFamily="34" charset="-120"/>
+              </a:rPr>
+              <a:t>Congestión nasal</a:t>
+            </a:r>
+            <a:endParaRPr lang="en-US" sz="1750" dirty="0"/>
+          </a:p>
+        </p:txBody>
+      </p:sp>
+      <p:sp>
+        <p:nvSpPr>
+          <p:cNvPr id="5" name="Text 3"/>
+          <p:cNvSpPr/>
+          <p:nvPr/>
+        </p:nvSpPr>
+        <p:spPr>
+          <a:xfrm>
+            <a:off x="793790" y="3946207"/>
+            <a:ext cx="6244709" cy="362903"/>
+          </a:xfrm>
+          <a:prstGeom prst="rect">
+            <a:avLst/>
+          </a:prstGeom>
+          <a:noFill/>
+          <a:ln/>
+        </p:spPr>
+        <p:txBody>
+          <a:bodyPr wrap="none" lIns="0" tIns="0" rIns="0" bIns="0" rtlCol="0" anchor="t"/>
+          <a:lstStyle/>
+          <a:p>
+            <a:pPr marL="342900" indent="-342900" algn="l">
+              <a:lnSpc>
+                <a:spcPts val="2850"/>
+              </a:lnSpc>
+              <a:buSzPct val="100000"/>
+              <a:buChar char="•"/>
+            </a:pPr>
+            <a:r>
+              <a:rPr lang="en-US" sz="1750" dirty="0">
+                <a:solidFill>
+                  <a:srgbClr val="E5E0DF"/>
+                </a:solidFill>
+                <a:latin typeface="Roboto" pitchFamily="34" charset="0"/>
+                <a:ea typeface="Roboto" pitchFamily="34" charset="-122"/>
+                <a:cs typeface="Roboto" pitchFamily="34" charset="-120"/>
+              </a:rPr>
+              <a:t>Estornudos</a:t>
+            </a:r>
+            <a:endParaRPr lang="en-US" sz="1750" dirty="0"/>
+          </a:p>
+        </p:txBody>
+      </p:sp>
+      <p:sp>
+        <p:nvSpPr>
+          <p:cNvPr id="6" name="Text 4"/>
+          <p:cNvSpPr/>
+          <p:nvPr/>
+        </p:nvSpPr>
+        <p:spPr>
+          <a:xfrm>
+            <a:off x="793790" y="4388406"/>
+            <a:ext cx="6244709" cy="362903"/>
+          </a:xfrm>
+          <a:prstGeom prst="rect">
+            <a:avLst/>
+          </a:prstGeom>
+          <a:noFill/>
+          <a:ln/>
+        </p:spPr>
+        <p:txBody>
+          <a:bodyPr wrap="none" lIns="0" tIns="0" rIns="0" bIns="0" rtlCol="0" anchor="t"/>
+          <a:lstStyle/>
+          <a:p>
+            <a:pPr marL="342900" indent="-342900" algn="l">
+              <a:lnSpc>
+                <a:spcPts val="2850"/>
+              </a:lnSpc>
+              <a:buSzPct val="100000"/>
+              <a:buChar char="•"/>
+            </a:pPr>
+            <a:r>
+              <a:rPr lang="en-US" sz="1750" dirty="0">
+                <a:solidFill>
+                  <a:srgbClr val="E5E0DF"/>
+                </a:solidFill>
+                <a:latin typeface="Roboto" pitchFamily="34" charset="0"/>
+                <a:ea typeface="Roboto" pitchFamily="34" charset="-122"/>
+                <a:cs typeface="Roboto" pitchFamily="34" charset="-120"/>
+              </a:rPr>
+              <a:t>Dolor de garganta leve</a:t>
+            </a:r>
+            <a:endParaRPr lang="en-US" sz="1750" dirty="0"/>
+          </a:p>
+        </p:txBody>
+      </p:sp>
+      <p:sp>
+        <p:nvSpPr>
+          <p:cNvPr id="7" name="Text 5"/>
+          <p:cNvSpPr/>
+          <p:nvPr/>
+        </p:nvSpPr>
+        <p:spPr>
+          <a:xfrm>
+            <a:off x="793790" y="4830604"/>
+            <a:ext cx="6244709" cy="362903"/>
+          </a:xfrm>
+          <a:prstGeom prst="rect">
+            <a:avLst/>
+          </a:prstGeom>
+          <a:noFill/>
+          <a:ln/>
+        </p:spPr>
+        <p:txBody>
+          <a:bodyPr wrap="none" lIns="0" tIns="0" rIns="0" bIns="0" rtlCol="0" anchor="t"/>
+          <a:lstStyle/>
+          <a:p>
+            <a:pPr marL="342900" indent="-342900" algn="l">
+              <a:lnSpc>
+                <a:spcPts val="2850"/>
+              </a:lnSpc>
+              <a:buSzPct val="100000"/>
+              <a:buChar char="•"/>
+            </a:pPr>
+            <a:r>
+              <a:rPr lang="en-US" sz="1750" dirty="0">
+                <a:solidFill>
+                  <a:srgbClr val="E5E0DF"/>
+                </a:solidFill>
+                <a:latin typeface="Roboto" pitchFamily="34" charset="0"/>
+                <a:ea typeface="Roboto" pitchFamily="34" charset="-122"/>
+                <a:cs typeface="Roboto" pitchFamily="34" charset="-120"/>
+              </a:rPr>
+              <a:t>Tos</a:t>
+            </a:r>
+            <a:endParaRPr lang="en-US" sz="1750" dirty="0"/>
+          </a:p>
+        </p:txBody>
+      </p:sp>
+      <p:sp>
+        <p:nvSpPr>
+          <p:cNvPr id="8" name="Text 6"/>
+          <p:cNvSpPr/>
+          <p:nvPr/>
+        </p:nvSpPr>
+        <p:spPr>
+          <a:xfrm>
+            <a:off x="793790" y="5272802"/>
+            <a:ext cx="6244709" cy="362903"/>
+          </a:xfrm>
+          <a:prstGeom prst="rect">
+            <a:avLst/>
+          </a:prstGeom>
+          <a:noFill/>
+          <a:ln/>
+        </p:spPr>
+        <p:txBody>
+          <a:bodyPr wrap="none" lIns="0" tIns="0" rIns="0" bIns="0" rtlCol="0" anchor="t"/>
+          <a:lstStyle/>
+          <a:p>
+            <a:pPr marL="342900" indent="-342900" algn="l">
+              <a:lnSpc>
+                <a:spcPts val="2850"/>
+              </a:lnSpc>
+              <a:buSzPct val="100000"/>
+              <a:buChar char="•"/>
+            </a:pPr>
+            <a:r>
+              <a:rPr lang="en-US" sz="1750" dirty="0">
+                <a:solidFill>
+                  <a:srgbClr val="E5E0DF"/>
+                </a:solidFill>
+                <a:latin typeface="Roboto" pitchFamily="34" charset="0"/>
+                <a:ea typeface="Roboto" pitchFamily="34" charset="-122"/>
+                <a:cs typeface="Roboto" pitchFamily="34" charset="-120"/>
+              </a:rPr>
+              <a:t>Fiebre baja o ausente</a:t>
+            </a:r>
+            <a:endParaRPr lang="en-US" sz="1750" dirty="0"/>
+          </a:p>
+        </p:txBody>
+      </p:sp>
+      <p:sp>
+        <p:nvSpPr>
+          <p:cNvPr id="9" name="Text 7"/>
+          <p:cNvSpPr/>
+          <p:nvPr/>
+        </p:nvSpPr>
+        <p:spPr>
+          <a:xfrm>
+            <a:off x="793790" y="5715000"/>
+            <a:ext cx="6244709" cy="362903"/>
+          </a:xfrm>
+          <a:prstGeom prst="rect">
+            <a:avLst/>
+          </a:prstGeom>
+          <a:noFill/>
+          <a:ln/>
+        </p:spPr>
+        <p:txBody>
+          <a:bodyPr wrap="none" lIns="0" tIns="0" rIns="0" bIns="0" rtlCol="0" anchor="t"/>
+          <a:lstStyle/>
+          <a:p>
+            <a:pPr marL="342900" indent="-342900" algn="l">
+              <a:lnSpc>
+                <a:spcPts val="2850"/>
+              </a:lnSpc>
+              <a:buSzPct val="100000"/>
+              <a:buChar char="•"/>
+            </a:pPr>
+            <a:r>
+              <a:rPr lang="en-US" sz="1750" dirty="0">
+                <a:solidFill>
+                  <a:srgbClr val="E5E0DF"/>
+                </a:solidFill>
+                <a:latin typeface="Roboto" pitchFamily="34" charset="0"/>
+                <a:ea typeface="Roboto" pitchFamily="34" charset="-122"/>
+                <a:cs typeface="Roboto" pitchFamily="34" charset="-120"/>
+              </a:rPr>
+              <a:t>Dolor leve de cabeza</a:t>
+            </a:r>
+            <a:endParaRPr lang="en-US" sz="1750" dirty="0"/>
+          </a:p>
+        </p:txBody>
+      </p:sp>
+      <p:sp>
+        <p:nvSpPr>
+          <p:cNvPr id="10" name="Text 8"/>
+          <p:cNvSpPr/>
+          <p:nvPr/>
+        </p:nvSpPr>
+        <p:spPr>
+          <a:xfrm>
+            <a:off x="793790" y="6157198"/>
+            <a:ext cx="6244709" cy="362903"/>
+          </a:xfrm>
+          <a:prstGeom prst="rect">
+            <a:avLst/>
+          </a:prstGeom>
+          <a:noFill/>
+          <a:ln/>
+        </p:spPr>
+        <p:txBody>
+          <a:bodyPr wrap="none" lIns="0" tIns="0" rIns="0" bIns="0" rtlCol="0" anchor="t"/>
+          <a:lstStyle/>
+          <a:p>
+            <a:pPr marL="342900" indent="-342900" algn="l">
+              <a:lnSpc>
+                <a:spcPts val="2850"/>
+              </a:lnSpc>
+              <a:buSzPct val="100000"/>
+              <a:buChar char="•"/>
+            </a:pPr>
+            <a:r>
+              <a:rPr lang="en-US" sz="1750" dirty="0">
+                <a:solidFill>
+                  <a:srgbClr val="E5E0DF"/>
+                </a:solidFill>
+                <a:latin typeface="Roboto" pitchFamily="34" charset="0"/>
+                <a:ea typeface="Roboto" pitchFamily="34" charset="-122"/>
+                <a:cs typeface="Roboto" pitchFamily="34" charset="-120"/>
+              </a:rPr>
+              <a:t>Ojos llorosos</a:t>
+            </a:r>
+            <a:endParaRPr lang="en-US" sz="1750" dirty="0"/>
+          </a:p>
+        </p:txBody>
+      </p:sp>
+      <p:sp>
+        <p:nvSpPr>
+          <p:cNvPr id="11" name="Text 9"/>
+          <p:cNvSpPr/>
+          <p:nvPr/>
+        </p:nvSpPr>
+        <p:spPr>
+          <a:xfrm>
+            <a:off x="793790" y="6724174"/>
+            <a:ext cx="6244709" cy="362903"/>
+          </a:xfrm>
+          <a:prstGeom prst="rect">
+            <a:avLst/>
+          </a:prstGeom>
+          <a:noFill/>
+          <a:ln/>
+        </p:spPr>
+        <p:txBody>
+          <a:bodyPr wrap="none" lIns="0" tIns="0" rIns="0" bIns="0" rtlCol="0" anchor="t"/>
+          <a:lstStyle/>
+          <a:p>
+            <a:pPr marL="0" indent="0" algn="l">
+              <a:lnSpc>
+                <a:spcPts val="2850"/>
+              </a:lnSpc>
+              <a:buNone/>
+            </a:pPr>
+            <a:r>
+              <a:rPr lang="en-US" sz="1750" dirty="0">
+                <a:solidFill>
+                  <a:srgbClr val="E5E0DF"/>
+                </a:solidFill>
+                <a:latin typeface="Roboto" pitchFamily="34" charset="0"/>
+                <a:ea typeface="Roboto" pitchFamily="34" charset="-122"/>
+                <a:cs typeface="Roboto" pitchFamily="34" charset="-120"/>
+              </a:rPr>
+              <a:t>Regla: A ∧ B ∧ C ∧ D ∧ E ∧ F ∧ G → Resfriado común</a:t>
+            </a:r>
+            <a:endParaRPr lang="en-US" sz="1750" dirty="0"/>
+          </a:p>
+        </p:txBody>
+      </p:sp>
+      <p:sp>
+        <p:nvSpPr>
+          <p:cNvPr id="12" name="Text 10"/>
+          <p:cNvSpPr/>
+          <p:nvPr/>
+        </p:nvSpPr>
+        <p:spPr>
+          <a:xfrm>
+            <a:off x="7599521" y="2922865"/>
+            <a:ext cx="2890837" cy="354330"/>
+          </a:xfrm>
+          <a:prstGeom prst="rect">
+            <a:avLst/>
+          </a:prstGeom>
+          <a:noFill/>
+          <a:ln/>
+        </p:spPr>
+        <p:txBody>
+          <a:bodyPr wrap="none" lIns="0" tIns="0" rIns="0" bIns="0" rtlCol="0" anchor="t"/>
+          <a:lstStyle/>
+          <a:p>
+            <a:pPr marL="0" indent="0" algn="l">
+              <a:lnSpc>
+                <a:spcPts val="2750"/>
+              </a:lnSpc>
+              <a:buNone/>
+            </a:pPr>
+            <a:r>
+              <a:rPr lang="en-US" sz="2200" dirty="0">
+                <a:solidFill>
+                  <a:srgbClr val="FFFFFF"/>
+                </a:solidFill>
+                <a:latin typeface="Roboto Mono Medium" pitchFamily="34" charset="0"/>
+                <a:ea typeface="Roboto Mono Medium" pitchFamily="34" charset="-122"/>
+                <a:cs typeface="Roboto Mono Medium" pitchFamily="34" charset="-120"/>
+              </a:rPr>
+              <a:t>Gripe (Influenza)</a:t>
+            </a:r>
+            <a:endParaRPr lang="en-US" sz="2200" dirty="0"/>
+          </a:p>
+        </p:txBody>
+      </p:sp>
+      <p:sp>
+        <p:nvSpPr>
+          <p:cNvPr id="13" name="Text 11"/>
+          <p:cNvSpPr/>
+          <p:nvPr/>
+        </p:nvSpPr>
+        <p:spPr>
+          <a:xfrm>
+            <a:off x="7599521" y="3504009"/>
+            <a:ext cx="6244709" cy="362903"/>
+          </a:xfrm>
+          <a:prstGeom prst="rect">
+            <a:avLst/>
+          </a:prstGeom>
+          <a:noFill/>
+          <a:ln/>
+        </p:spPr>
+        <p:txBody>
+          <a:bodyPr wrap="none" lIns="0" tIns="0" rIns="0" bIns="0" rtlCol="0" anchor="t"/>
+          <a:lstStyle/>
+          <a:p>
+            <a:pPr marL="342900" indent="-342900" algn="l">
+              <a:lnSpc>
+                <a:spcPts val="2850"/>
+              </a:lnSpc>
+              <a:buSzPct val="100000"/>
+              <a:buChar char="•"/>
+            </a:pPr>
+            <a:r>
+              <a:rPr lang="en-US" sz="1750" dirty="0">
+                <a:solidFill>
+                  <a:srgbClr val="E5E0DF"/>
+                </a:solidFill>
+                <a:latin typeface="Roboto" pitchFamily="34" charset="0"/>
+                <a:ea typeface="Roboto" pitchFamily="34" charset="-122"/>
+                <a:cs typeface="Roboto" pitchFamily="34" charset="-120"/>
+              </a:rPr>
+              <a:t>Fiebre alta (&gt;38.5°C)</a:t>
+            </a:r>
+            <a:endParaRPr lang="en-US" sz="1750" dirty="0"/>
+          </a:p>
+        </p:txBody>
+      </p:sp>
+      <p:sp>
+        <p:nvSpPr>
+          <p:cNvPr id="14" name="Text 12"/>
+          <p:cNvSpPr/>
+          <p:nvPr/>
+        </p:nvSpPr>
+        <p:spPr>
+          <a:xfrm>
+            <a:off x="7599521" y="3946207"/>
+            <a:ext cx="6244709" cy="362903"/>
+          </a:xfrm>
+          <a:prstGeom prst="rect">
+            <a:avLst/>
+          </a:prstGeom>
+          <a:noFill/>
+          <a:ln/>
+        </p:spPr>
+        <p:txBody>
+          <a:bodyPr wrap="none" lIns="0" tIns="0" rIns="0" bIns="0" rtlCol="0" anchor="t"/>
+          <a:lstStyle/>
+          <a:p>
+            <a:pPr marL="342900" indent="-342900" algn="l">
+              <a:lnSpc>
+                <a:spcPts val="2850"/>
+              </a:lnSpc>
+              <a:buSzPct val="100000"/>
+              <a:buChar char="•"/>
+            </a:pPr>
+            <a:r>
+              <a:rPr lang="en-US" sz="1750" dirty="0">
+                <a:solidFill>
+                  <a:srgbClr val="E5E0DF"/>
+                </a:solidFill>
+                <a:latin typeface="Roboto" pitchFamily="34" charset="0"/>
+                <a:ea typeface="Roboto" pitchFamily="34" charset="-122"/>
+                <a:cs typeface="Roboto" pitchFamily="34" charset="-120"/>
+              </a:rPr>
+              <a:t>Dolor muscular intenso</a:t>
+            </a:r>
+            <a:endParaRPr lang="en-US" sz="1750" dirty="0"/>
+          </a:p>
+        </p:txBody>
+      </p:sp>
+      <p:sp>
+        <p:nvSpPr>
+          <p:cNvPr id="15" name="Text 13"/>
+          <p:cNvSpPr/>
+          <p:nvPr/>
+        </p:nvSpPr>
+        <p:spPr>
+          <a:xfrm>
+            <a:off x="7599521" y="4388406"/>
+            <a:ext cx="6244709" cy="362903"/>
+          </a:xfrm>
+          <a:prstGeom prst="rect">
+            <a:avLst/>
+          </a:prstGeom>
+          <a:noFill/>
+          <a:ln/>
+        </p:spPr>
+        <p:txBody>
+          <a:bodyPr wrap="none" lIns="0" tIns="0" rIns="0" bIns="0" rtlCol="0" anchor="t"/>
+          <a:lstStyle/>
+          <a:p>
+            <a:pPr marL="342900" indent="-342900" algn="l">
+              <a:lnSpc>
+                <a:spcPts val="2850"/>
+              </a:lnSpc>
+              <a:buSzPct val="100000"/>
+              <a:buChar char="•"/>
+            </a:pPr>
+            <a:r>
+              <a:rPr lang="en-US" sz="1750" dirty="0">
+                <a:solidFill>
+                  <a:srgbClr val="E5E0DF"/>
+                </a:solidFill>
+                <a:latin typeface="Roboto" pitchFamily="34" charset="0"/>
+                <a:ea typeface="Roboto" pitchFamily="34" charset="-122"/>
+                <a:cs typeface="Roboto" pitchFamily="34" charset="-120"/>
+              </a:rPr>
+              <a:t>Tos seca</a:t>
+            </a:r>
+            <a:endParaRPr lang="en-US" sz="1750" dirty="0"/>
+          </a:p>
+        </p:txBody>
+      </p:sp>
+      <p:sp>
+        <p:nvSpPr>
+          <p:cNvPr id="16" name="Text 14"/>
+          <p:cNvSpPr/>
+          <p:nvPr/>
+        </p:nvSpPr>
+        <p:spPr>
+          <a:xfrm>
+            <a:off x="7599521" y="4830604"/>
+            <a:ext cx="6244709" cy="362903"/>
+          </a:xfrm>
+          <a:prstGeom prst="rect">
+            <a:avLst/>
+          </a:prstGeom>
+          <a:noFill/>
+          <a:ln/>
+        </p:spPr>
+        <p:txBody>
+          <a:bodyPr wrap="none" lIns="0" tIns="0" rIns="0" bIns="0" rtlCol="0" anchor="t"/>
+          <a:lstStyle/>
+          <a:p>
+            <a:pPr marL="342900" indent="-342900" algn="l">
+              <a:lnSpc>
+                <a:spcPts val="2850"/>
+              </a:lnSpc>
+              <a:buSzPct val="100000"/>
+              <a:buChar char="•"/>
+            </a:pPr>
+            <a:r>
+              <a:rPr lang="en-US" sz="1750" dirty="0">
+                <a:solidFill>
+                  <a:srgbClr val="E5E0DF"/>
+                </a:solidFill>
+                <a:latin typeface="Roboto" pitchFamily="34" charset="0"/>
+                <a:ea typeface="Roboto" pitchFamily="34" charset="-122"/>
+                <a:cs typeface="Roboto" pitchFamily="34" charset="-120"/>
+              </a:rPr>
+              <a:t>Dolor de cabeza</a:t>
+            </a:r>
+            <a:endParaRPr lang="en-US" sz="1750" dirty="0"/>
+          </a:p>
+        </p:txBody>
+      </p:sp>
+      <p:sp>
+        <p:nvSpPr>
+          <p:cNvPr id="17" name="Text 15"/>
+          <p:cNvSpPr/>
+          <p:nvPr/>
+        </p:nvSpPr>
+        <p:spPr>
+          <a:xfrm>
+            <a:off x="7599521" y="5272802"/>
+            <a:ext cx="6244709" cy="362903"/>
+          </a:xfrm>
+          <a:prstGeom prst="rect">
+            <a:avLst/>
+          </a:prstGeom>
+          <a:noFill/>
+          <a:ln/>
+        </p:spPr>
+        <p:txBody>
+          <a:bodyPr wrap="none" lIns="0" tIns="0" rIns="0" bIns="0" rtlCol="0" anchor="t"/>
+          <a:lstStyle/>
+          <a:p>
+            <a:pPr marL="342900" indent="-342900" algn="l">
+              <a:lnSpc>
+                <a:spcPts val="2850"/>
+              </a:lnSpc>
+              <a:buSzPct val="100000"/>
+              <a:buChar char="•"/>
+            </a:pPr>
+            <a:r>
+              <a:rPr lang="en-US" sz="1750" dirty="0">
+                <a:solidFill>
+                  <a:srgbClr val="E5E0DF"/>
+                </a:solidFill>
+                <a:latin typeface="Roboto" pitchFamily="34" charset="0"/>
+                <a:ea typeface="Roboto" pitchFamily="34" charset="-122"/>
+                <a:cs typeface="Roboto" pitchFamily="34" charset="-120"/>
+              </a:rPr>
+              <a:t>Fatiga extrema</a:t>
+            </a:r>
+            <a:endParaRPr lang="en-US" sz="1750" dirty="0"/>
+          </a:p>
+        </p:txBody>
+      </p:sp>
+      <p:sp>
+        <p:nvSpPr>
+          <p:cNvPr id="18" name="Text 16"/>
+          <p:cNvSpPr/>
+          <p:nvPr/>
+        </p:nvSpPr>
+        <p:spPr>
+          <a:xfrm>
+            <a:off x="7599521" y="5715000"/>
+            <a:ext cx="6244709" cy="362903"/>
+          </a:xfrm>
+          <a:prstGeom prst="rect">
+            <a:avLst/>
+          </a:prstGeom>
+          <a:noFill/>
+          <a:ln/>
+        </p:spPr>
+        <p:txBody>
+          <a:bodyPr wrap="none" lIns="0" tIns="0" rIns="0" bIns="0" rtlCol="0" anchor="t"/>
+          <a:lstStyle/>
+          <a:p>
+            <a:pPr marL="342900" indent="-342900" algn="l">
+              <a:lnSpc>
+                <a:spcPts val="2850"/>
+              </a:lnSpc>
+              <a:buSzPct val="100000"/>
+              <a:buChar char="•"/>
+            </a:pPr>
+            <a:r>
+              <a:rPr lang="en-US" sz="1750" dirty="0">
+                <a:solidFill>
+                  <a:srgbClr val="E5E0DF"/>
+                </a:solidFill>
+                <a:latin typeface="Roboto" pitchFamily="34" charset="0"/>
+                <a:ea typeface="Roboto" pitchFamily="34" charset="-122"/>
+                <a:cs typeface="Roboto" pitchFamily="34" charset="-120"/>
+              </a:rPr>
+              <a:t>Escalofríos</a:t>
+            </a:r>
+            <a:endParaRPr lang="en-US" sz="1750" dirty="0"/>
+          </a:p>
+        </p:txBody>
+      </p:sp>
+      <p:sp>
+        <p:nvSpPr>
+          <p:cNvPr id="19" name="Text 17"/>
+          <p:cNvSpPr/>
+          <p:nvPr/>
+        </p:nvSpPr>
+        <p:spPr>
+          <a:xfrm>
+            <a:off x="7599521" y="6157198"/>
+            <a:ext cx="6244709" cy="362903"/>
+          </a:xfrm>
+          <a:prstGeom prst="rect">
+            <a:avLst/>
+          </a:prstGeom>
+          <a:noFill/>
+          <a:ln/>
+        </p:spPr>
+        <p:txBody>
+          <a:bodyPr wrap="none" lIns="0" tIns="0" rIns="0" bIns="0" rtlCol="0" anchor="t"/>
+          <a:lstStyle/>
+          <a:p>
+            <a:pPr marL="342900" indent="-342900" algn="l">
+              <a:lnSpc>
+                <a:spcPts val="2850"/>
+              </a:lnSpc>
+              <a:buSzPct val="100000"/>
+              <a:buChar char="•"/>
+            </a:pPr>
+            <a:r>
+              <a:rPr lang="en-US" sz="1750" dirty="0">
+                <a:solidFill>
+                  <a:srgbClr val="E5E0DF"/>
+                </a:solidFill>
+                <a:latin typeface="Roboto" pitchFamily="34" charset="0"/>
+                <a:ea typeface="Roboto" pitchFamily="34" charset="-122"/>
+                <a:cs typeface="Roboto" pitchFamily="34" charset="-120"/>
+              </a:rPr>
+              <a:t>Pérdida del apetito</a:t>
+            </a:r>
+            <a:endParaRPr lang="en-US" sz="1750" dirty="0"/>
+          </a:p>
+        </p:txBody>
+      </p:sp>
+      <p:sp>
+        <p:nvSpPr>
+          <p:cNvPr id="20" name="Text 18"/>
+          <p:cNvSpPr/>
+          <p:nvPr/>
+        </p:nvSpPr>
+        <p:spPr>
+          <a:xfrm>
+            <a:off x="7599521" y="6724174"/>
+            <a:ext cx="6244709" cy="362903"/>
+          </a:xfrm>
+          <a:prstGeom prst="rect">
+            <a:avLst/>
+          </a:prstGeom>
+          <a:noFill/>
+          <a:ln/>
+        </p:spPr>
+        <p:txBody>
+          <a:bodyPr wrap="none" lIns="0" tIns="0" rIns="0" bIns="0" rtlCol="0" anchor="t"/>
+          <a:lstStyle/>
+          <a:p>
+            <a:pPr marL="0" indent="0" algn="l">
+              <a:lnSpc>
+                <a:spcPts val="2850"/>
+              </a:lnSpc>
+              <a:buNone/>
+            </a:pPr>
+            <a:r>
+              <a:rPr lang="en-US" sz="1750" dirty="0">
+                <a:solidFill>
+                  <a:srgbClr val="E5E0DF"/>
+                </a:solidFill>
+                <a:latin typeface="Roboto" pitchFamily="34" charset="0"/>
+                <a:ea typeface="Roboto" pitchFamily="34" charset="-122"/>
+                <a:cs typeface="Roboto" pitchFamily="34" charset="-120"/>
+              </a:rPr>
+              <a:t>Regla: H ∧ I ∧ J ∧ K ∧ L ∧ M ∧ N → Gripe (Influenza)</a:t>
+            </a:r>
+            <a:endParaRPr lang="en-US" sz="1750" dirty="0"/>
+          </a:p>
+        </p:txBody>
+      </p:sp>
+      <p:sp>
+        <p:nvSpPr>
+          <p:cNvPr id="21" name="Rectángulo 20">
+            <a:extLst>
+              <a:ext uri="{FF2B5EF4-FFF2-40B4-BE49-F238E27FC236}">
+                <a16:creationId xmlns:a16="http://schemas.microsoft.com/office/drawing/2014/main" id="{95436D2A-29F4-AA2D-6204-F19DEAD32A95}"/>
+              </a:ext>
+            </a:extLst>
+          </p:cNvPr>
+          <p:cNvSpPr/>
+          <p:nvPr/>
+        </p:nvSpPr>
+        <p:spPr>
+          <a:xfrm>
+            <a:off x="12841357" y="7712765"/>
+            <a:ext cx="1789043" cy="516835"/>
+          </a:xfrm>
+          <a:prstGeom prst="rect">
+            <a:avLst/>
+          </a:prstGeom>
+          <a:solidFill>
+            <a:srgbClr val="212121"/>
+          </a:solidFill>
+          <a:ln>
+            <a:noFill/>
+          </a:ln>
+        </p:spPr>
+        <p:style>
+          <a:lnRef idx="2">
+            <a:schemeClr val="accent1">
+              <a:shade val="15000"/>
+            </a:schemeClr>
+          </a:lnRef>
+          <a:fillRef idx="1">
+            <a:schemeClr val="accent1"/>
+          </a:fillRef>
+          <a:effectRef idx="0">
+            <a:schemeClr val="accent1"/>
+          </a:effectRef>
+          <a:fontRef idx="minor">
+            <a:schemeClr val="lt1"/>
+          </a:fontRef>
+        </p:style>
+        <p:txBody>
+          <a:bodyPr rtlCol="0" anchor="ctr"/>
+          <a:lstStyle/>
+          <a:p>
+            <a:pPr algn="ctr"/>
+            <a:endParaRPr lang="es-MX"/>
+          </a:p>
+        </p:txBody>
+      </p:sp>
     </p:spTree>
   </p:cSld>
   <p:clrMapOvr>
@@ -4314,7 +5049,7 @@
 </p:sld>
 </file>
 
-<file path=ppt/slides/slide6.xml><?xml version="1.0" encoding="utf-8"?>
+<file path=ppt/slides/slide7.xml><?xml version="1.0" encoding="utf-8"?>
 <p:sld xmlns:a="http://schemas.openxmlformats.org/drawingml/2006/main" xmlns:r="http://schemas.openxmlformats.org/officeDocument/2006/relationships" xmlns:p="http://schemas.openxmlformats.org/presentationml/2006/main">
   <p:cSld name="Slide 6">
     <p:spTree>
@@ -5203,7 +5938,7 @@
 </p:sld>
 </file>
 
-<file path=ppt/slides/slide7.xml><?xml version="1.0" encoding="utf-8"?>
+<file path=ppt/slides/slide8.xml><?xml version="1.0" encoding="utf-8"?>
 <p:sld xmlns:a="http://schemas.openxmlformats.org/drawingml/2006/main" xmlns:r="http://schemas.openxmlformats.org/officeDocument/2006/relationships" xmlns:p="http://schemas.openxmlformats.org/presentationml/2006/main">
   <p:cSld name="Slide 7">
     <p:spTree>
@@ -5877,7 +6612,7 @@
 </p:sld>
 </file>
 
-<file path=ppt/slides/slide8.xml><?xml version="1.0" encoding="utf-8"?>
+<file path=ppt/slides/slide9.xml><?xml version="1.0" encoding="utf-8"?>
 <p:sld xmlns:a="http://schemas.openxmlformats.org/drawingml/2006/main" xmlns:r="http://schemas.openxmlformats.org/officeDocument/2006/relationships" xmlns:p="http://schemas.openxmlformats.org/presentationml/2006/main">
   <p:cSld name="Slide 8">
     <p:spTree>
